--- a/Lecture slides/ADAP A03 - Homework Setup.pptx
+++ b/Lecture slides/ADAP A03 - Homework Setup.pptx
@@ -5610,7 +5610,7 @@
             </a:r>
             <a:r>
               <a:rPr lang="en"/>
-              <a:t>, Univ. Erlangen</a:t>
+              <a:t>, FAU Erlangen</a:t>
             </a:r>
             <a:endParaRPr/>
           </a:p>

--- a/Lecture slides/ADAP A03 - Homework Setup.pptx
+++ b/Lecture slides/ADAP A03 - Homework Setup.pptx
@@ -706,7 +706,7 @@
   <p:cSld>
     <p:spTree>
       <p:nvGrpSpPr>
-        <p:cNvPr id="32" name="Shape 32"/>
+        <p:cNvPr id="47" name="Shape 47"/>
         <p:cNvGrpSpPr/>
         <p:nvPr/>
       </p:nvGrpSpPr>
@@ -720,7 +720,7 @@
       </p:grpSpPr>
       <p:sp>
         <p:nvSpPr>
-          <p:cNvPr id="33" name="Google Shape;33;p:notes"/>
+          <p:cNvPr id="48" name="Google Shape;48;p:notes"/>
           <p:cNvSpPr/>
           <p:nvPr>
             <p:ph idx="2" type="sldImg"/>
@@ -755,7 +755,7 @@
       </p:sp>
       <p:sp>
         <p:nvSpPr>
-          <p:cNvPr id="34" name="Google Shape;34;p:notes"/>
+          <p:cNvPr id="49" name="Google Shape;49;p:notes"/>
           <p:cNvSpPr txBox="1"/>
           <p:nvPr>
             <p:ph idx="1" type="body"/>
@@ -805,7 +805,7 @@
   <p:cSld>
     <p:spTree>
       <p:nvGrpSpPr>
-        <p:cNvPr id="110" name="Shape 110"/>
+        <p:cNvPr id="125" name="Shape 125"/>
         <p:cNvGrpSpPr/>
         <p:nvPr/>
       </p:nvGrpSpPr>
@@ -819,7 +819,7 @@
       </p:grpSpPr>
       <p:sp>
         <p:nvSpPr>
-          <p:cNvPr id="111" name="Google Shape;111;g302671db11d_0_91:notes"/>
+          <p:cNvPr id="126" name="Google Shape;126;g302671db11d_0_91:notes"/>
           <p:cNvSpPr/>
           <p:nvPr>
             <p:ph idx="2" type="sldImg"/>
@@ -854,7 +854,7 @@
       </p:sp>
       <p:sp>
         <p:nvSpPr>
-          <p:cNvPr id="112" name="Google Shape;112;g302671db11d_0_91:notes"/>
+          <p:cNvPr id="127" name="Google Shape;127;g302671db11d_0_91:notes"/>
           <p:cNvSpPr txBox="1"/>
           <p:nvPr>
             <p:ph idx="1" type="body"/>
@@ -904,7 +904,7 @@
   <p:cSld>
     <p:spTree>
       <p:nvGrpSpPr>
-        <p:cNvPr id="117" name="Shape 117"/>
+        <p:cNvPr id="132" name="Shape 132"/>
         <p:cNvGrpSpPr/>
         <p:nvPr/>
       </p:nvGrpSpPr>
@@ -918,7 +918,7 @@
       </p:grpSpPr>
       <p:sp>
         <p:nvSpPr>
-          <p:cNvPr id="118" name="Google Shape;118;g302671db11d_0_40:notes"/>
+          <p:cNvPr id="133" name="Google Shape;133;g302671db11d_0_40:notes"/>
           <p:cNvSpPr/>
           <p:nvPr>
             <p:ph idx="2" type="sldImg"/>
@@ -953,7 +953,7 @@
       </p:sp>
       <p:sp>
         <p:nvSpPr>
-          <p:cNvPr id="119" name="Google Shape;119;g302671db11d_0_40:notes"/>
+          <p:cNvPr id="134" name="Google Shape;134;g302671db11d_0_40:notes"/>
           <p:cNvSpPr txBox="1"/>
           <p:nvPr>
             <p:ph idx="1" type="body"/>
@@ -1003,7 +1003,7 @@
   <p:cSld>
     <p:spTree>
       <p:nvGrpSpPr>
-        <p:cNvPr id="124" name="Shape 124"/>
+        <p:cNvPr id="139" name="Shape 139"/>
         <p:cNvGrpSpPr/>
         <p:nvPr/>
       </p:nvGrpSpPr>
@@ -1017,7 +1017,7 @@
       </p:grpSpPr>
       <p:sp>
         <p:nvSpPr>
-          <p:cNvPr id="125" name="Google Shape;125;g239609b2c0c_0_42:notes"/>
+          <p:cNvPr id="140" name="Google Shape;140;g239609b2c0c_0_42:notes"/>
           <p:cNvSpPr/>
           <p:nvPr>
             <p:ph idx="2" type="sldImg"/>
@@ -1052,7 +1052,7 @@
       </p:sp>
       <p:sp>
         <p:nvSpPr>
-          <p:cNvPr id="126" name="Google Shape;126;g239609b2c0c_0_42:notes"/>
+          <p:cNvPr id="141" name="Google Shape;141;g239609b2c0c_0_42:notes"/>
           <p:cNvSpPr txBox="1"/>
           <p:nvPr>
             <p:ph idx="1" type="body"/>
@@ -1102,7 +1102,7 @@
   <p:cSld>
     <p:spTree>
       <p:nvGrpSpPr>
-        <p:cNvPr id="130" name="Shape 130"/>
+        <p:cNvPr id="145" name="Shape 145"/>
         <p:cNvGrpSpPr/>
         <p:nvPr/>
       </p:nvGrpSpPr>
@@ -1116,7 +1116,7 @@
       </p:grpSpPr>
       <p:sp>
         <p:nvSpPr>
-          <p:cNvPr id="131" name="Google Shape;131;g239609b2c0c_0_47:notes"/>
+          <p:cNvPr id="146" name="Google Shape;146;g239609b2c0c_0_47:notes"/>
           <p:cNvSpPr/>
           <p:nvPr>
             <p:ph idx="2" type="sldImg"/>
@@ -1151,7 +1151,7 @@
       </p:sp>
       <p:sp>
         <p:nvSpPr>
-          <p:cNvPr id="132" name="Google Shape;132;g239609b2c0c_0_47:notes"/>
+          <p:cNvPr id="147" name="Google Shape;147;g239609b2c0c_0_47:notes"/>
           <p:cNvSpPr txBox="1"/>
           <p:nvPr>
             <p:ph idx="1" type="body"/>
@@ -1201,7 +1201,7 @@
   <p:cSld>
     <p:spTree>
       <p:nvGrpSpPr>
-        <p:cNvPr id="137" name="Shape 137"/>
+        <p:cNvPr id="152" name="Shape 152"/>
         <p:cNvGrpSpPr/>
         <p:nvPr/>
       </p:nvGrpSpPr>
@@ -1215,7 +1215,7 @@
       </p:grpSpPr>
       <p:sp>
         <p:nvSpPr>
-          <p:cNvPr id="138" name="Google Shape;138;g302671db11d_0_103:notes"/>
+          <p:cNvPr id="153" name="Google Shape;153;g302671db11d_0_103:notes"/>
           <p:cNvSpPr/>
           <p:nvPr>
             <p:ph idx="2" type="sldImg"/>
@@ -1250,7 +1250,7 @@
       </p:sp>
       <p:sp>
         <p:nvSpPr>
-          <p:cNvPr id="139" name="Google Shape;139;g302671db11d_0_103:notes"/>
+          <p:cNvPr id="154" name="Google Shape;154;g302671db11d_0_103:notes"/>
           <p:cNvSpPr txBox="1"/>
           <p:nvPr>
             <p:ph idx="1" type="body"/>
@@ -1300,7 +1300,7 @@
   <p:cSld>
     <p:spTree>
       <p:nvGrpSpPr>
-        <p:cNvPr id="145" name="Shape 145"/>
+        <p:cNvPr id="160" name="Shape 160"/>
         <p:cNvGrpSpPr/>
         <p:nvPr/>
       </p:nvGrpSpPr>
@@ -1314,7 +1314,7 @@
       </p:grpSpPr>
       <p:sp>
         <p:nvSpPr>
-          <p:cNvPr id="146" name="Google Shape;146;g302671db11d_0_110:notes"/>
+          <p:cNvPr id="161" name="Google Shape;161;g302671db11d_0_110:notes"/>
           <p:cNvSpPr/>
           <p:nvPr>
             <p:ph idx="2" type="sldImg"/>
@@ -1349,7 +1349,7 @@
       </p:sp>
       <p:sp>
         <p:nvSpPr>
-          <p:cNvPr id="147" name="Google Shape;147;g302671db11d_0_110:notes"/>
+          <p:cNvPr id="162" name="Google Shape;162;g302671db11d_0_110:notes"/>
           <p:cNvSpPr txBox="1"/>
           <p:nvPr>
             <p:ph idx="1" type="body"/>
@@ -1399,7 +1399,7 @@
   <p:cSld>
     <p:spTree>
       <p:nvGrpSpPr>
-        <p:cNvPr id="153" name="Shape 153"/>
+        <p:cNvPr id="168" name="Shape 168"/>
         <p:cNvGrpSpPr/>
         <p:nvPr/>
       </p:nvGrpSpPr>
@@ -1413,7 +1413,7 @@
       </p:grpSpPr>
       <p:sp>
         <p:nvSpPr>
-          <p:cNvPr id="154" name="Google Shape;154;g302671db11d_0_117:notes"/>
+          <p:cNvPr id="169" name="Google Shape;169;g302671db11d_0_117:notes"/>
           <p:cNvSpPr/>
           <p:nvPr>
             <p:ph idx="2" type="sldImg"/>
@@ -1448,7 +1448,7 @@
       </p:sp>
       <p:sp>
         <p:nvSpPr>
-          <p:cNvPr id="155" name="Google Shape;155;g302671db11d_0_117:notes"/>
+          <p:cNvPr id="170" name="Google Shape;170;g302671db11d_0_117:notes"/>
           <p:cNvSpPr txBox="1"/>
           <p:nvPr>
             <p:ph idx="1" type="body"/>
@@ -1498,7 +1498,7 @@
   <p:cSld>
     <p:spTree>
       <p:nvGrpSpPr>
-        <p:cNvPr id="38" name="Shape 38"/>
+        <p:cNvPr id="53" name="Shape 53"/>
         <p:cNvGrpSpPr/>
         <p:nvPr/>
       </p:nvGrpSpPr>
@@ -1512,7 +1512,7 @@
       </p:grpSpPr>
       <p:sp>
         <p:nvSpPr>
-          <p:cNvPr id="39" name="Google Shape;39;g2fe02fb2832_0_6:notes"/>
+          <p:cNvPr id="54" name="Google Shape;54;g2fe02fb2832_0_6:notes"/>
           <p:cNvSpPr/>
           <p:nvPr>
             <p:ph idx="2" type="sldImg"/>
@@ -1547,7 +1547,7 @@
       </p:sp>
       <p:sp>
         <p:nvSpPr>
-          <p:cNvPr id="40" name="Google Shape;40;g2fe02fb2832_0_6:notes"/>
+          <p:cNvPr id="55" name="Google Shape;55;g2fe02fb2832_0_6:notes"/>
           <p:cNvSpPr txBox="1"/>
           <p:nvPr>
             <p:ph idx="1" type="body"/>
@@ -1597,7 +1597,7 @@
   <p:cSld>
     <p:spTree>
       <p:nvGrpSpPr>
-        <p:cNvPr id="45" name="Shape 45"/>
+        <p:cNvPr id="60" name="Shape 60"/>
         <p:cNvGrpSpPr/>
         <p:nvPr/>
       </p:nvGrpSpPr>
@@ -1611,7 +1611,7 @@
       </p:grpSpPr>
       <p:sp>
         <p:nvSpPr>
-          <p:cNvPr id="46" name="Google Shape;46;g302671db11d_0_25:notes"/>
+          <p:cNvPr id="61" name="Google Shape;61;g302671db11d_0_25:notes"/>
           <p:cNvSpPr/>
           <p:nvPr>
             <p:ph idx="2" type="sldImg"/>
@@ -1646,7 +1646,7 @@
       </p:sp>
       <p:sp>
         <p:nvSpPr>
-          <p:cNvPr id="47" name="Google Shape;47;g302671db11d_0_25:notes"/>
+          <p:cNvPr id="62" name="Google Shape;62;g302671db11d_0_25:notes"/>
           <p:cNvSpPr txBox="1"/>
           <p:nvPr>
             <p:ph idx="1" type="body"/>
@@ -1696,7 +1696,7 @@
   <p:cSld>
     <p:spTree>
       <p:nvGrpSpPr>
-        <p:cNvPr id="68" name="Shape 68"/>
+        <p:cNvPr id="83" name="Shape 83"/>
         <p:cNvGrpSpPr/>
         <p:nvPr/>
       </p:nvGrpSpPr>
@@ -1710,7 +1710,7 @@
       </p:grpSpPr>
       <p:sp>
         <p:nvSpPr>
-          <p:cNvPr id="69" name="Google Shape;69;g30a722db546_0_3:notes"/>
+          <p:cNvPr id="84" name="Google Shape;84;g30a722db546_0_3:notes"/>
           <p:cNvSpPr/>
           <p:nvPr>
             <p:ph idx="2" type="sldImg"/>
@@ -1745,7 +1745,7 @@
       </p:sp>
       <p:sp>
         <p:nvSpPr>
-          <p:cNvPr id="70" name="Google Shape;70;g30a722db546_0_3:notes"/>
+          <p:cNvPr id="85" name="Google Shape;85;g30a722db546_0_3:notes"/>
           <p:cNvSpPr txBox="1"/>
           <p:nvPr>
             <p:ph idx="1" type="body"/>
@@ -1795,7 +1795,7 @@
   <p:cSld>
     <p:spTree>
       <p:nvGrpSpPr>
-        <p:cNvPr id="75" name="Shape 75"/>
+        <p:cNvPr id="90" name="Shape 90"/>
         <p:cNvGrpSpPr/>
         <p:nvPr/>
       </p:nvGrpSpPr>
@@ -1809,7 +1809,7 @@
       </p:grpSpPr>
       <p:sp>
         <p:nvSpPr>
-          <p:cNvPr id="76" name="Google Shape;76;g302671db11d_0_17:notes"/>
+          <p:cNvPr id="91" name="Google Shape;91;g302671db11d_0_17:notes"/>
           <p:cNvSpPr/>
           <p:nvPr>
             <p:ph idx="2" type="sldImg"/>
@@ -1844,7 +1844,7 @@
       </p:sp>
       <p:sp>
         <p:nvSpPr>
-          <p:cNvPr id="77" name="Google Shape;77;g302671db11d_0_17:notes"/>
+          <p:cNvPr id="92" name="Google Shape;92;g302671db11d_0_17:notes"/>
           <p:cNvSpPr txBox="1"/>
           <p:nvPr>
             <p:ph idx="1" type="body"/>
@@ -1894,7 +1894,7 @@
   <p:cSld>
     <p:spTree>
       <p:nvGrpSpPr>
-        <p:cNvPr id="82" name="Shape 82"/>
+        <p:cNvPr id="97" name="Shape 97"/>
         <p:cNvGrpSpPr/>
         <p:nvPr/>
       </p:nvGrpSpPr>
@@ -1908,7 +1908,7 @@
       </p:grpSpPr>
       <p:sp>
         <p:nvSpPr>
-          <p:cNvPr id="83" name="Google Shape;83;g302671db11d_0_32:notes"/>
+          <p:cNvPr id="98" name="Google Shape;98;g302671db11d_0_32:notes"/>
           <p:cNvSpPr/>
           <p:nvPr>
             <p:ph idx="2" type="sldImg"/>
@@ -1943,7 +1943,7 @@
       </p:sp>
       <p:sp>
         <p:nvSpPr>
-          <p:cNvPr id="84" name="Google Shape;84;g302671db11d_0_32:notes"/>
+          <p:cNvPr id="99" name="Google Shape;99;g302671db11d_0_32:notes"/>
           <p:cNvSpPr txBox="1"/>
           <p:nvPr>
             <p:ph idx="1" type="body"/>
@@ -1993,7 +1993,7 @@
   <p:cSld>
     <p:spTree>
       <p:nvGrpSpPr>
-        <p:cNvPr id="89" name="Shape 89"/>
+        <p:cNvPr id="104" name="Shape 104"/>
         <p:cNvGrpSpPr/>
         <p:nvPr/>
       </p:nvGrpSpPr>
@@ -2007,7 +2007,7 @@
       </p:grpSpPr>
       <p:sp>
         <p:nvSpPr>
-          <p:cNvPr id="90" name="Google Shape;90;g2fe02fb2832_0_0:notes"/>
+          <p:cNvPr id="105" name="Google Shape;105;g2fe02fb2832_0_0:notes"/>
           <p:cNvSpPr/>
           <p:nvPr>
             <p:ph idx="2" type="sldImg"/>
@@ -2042,7 +2042,7 @@
       </p:sp>
       <p:sp>
         <p:nvSpPr>
-          <p:cNvPr id="91" name="Google Shape;91;g2fe02fb2832_0_0:notes"/>
+          <p:cNvPr id="106" name="Google Shape;106;g2fe02fb2832_0_0:notes"/>
           <p:cNvSpPr txBox="1"/>
           <p:nvPr>
             <p:ph idx="1" type="body"/>
@@ -2092,7 +2092,7 @@
   <p:cSld>
     <p:spTree>
       <p:nvGrpSpPr>
-        <p:cNvPr id="96" name="Shape 96"/>
+        <p:cNvPr id="111" name="Shape 111"/>
         <p:cNvGrpSpPr/>
         <p:nvPr/>
       </p:nvGrpSpPr>
@@ -2106,7 +2106,7 @@
       </p:grpSpPr>
       <p:sp>
         <p:nvSpPr>
-          <p:cNvPr id="97" name="Google Shape;97;g302671db11d_0_72:notes"/>
+          <p:cNvPr id="112" name="Google Shape;112;g302671db11d_0_72:notes"/>
           <p:cNvSpPr/>
           <p:nvPr>
             <p:ph idx="2" type="sldImg"/>
@@ -2141,7 +2141,7 @@
       </p:sp>
       <p:sp>
         <p:nvSpPr>
-          <p:cNvPr id="98" name="Google Shape;98;g302671db11d_0_72:notes"/>
+          <p:cNvPr id="113" name="Google Shape;113;g302671db11d_0_72:notes"/>
           <p:cNvSpPr txBox="1"/>
           <p:nvPr>
             <p:ph idx="1" type="body"/>
@@ -2191,7 +2191,7 @@
   <p:cSld>
     <p:spTree>
       <p:nvGrpSpPr>
-        <p:cNvPr id="103" name="Shape 103"/>
+        <p:cNvPr id="118" name="Shape 118"/>
         <p:cNvGrpSpPr/>
         <p:nvPr/>
       </p:nvGrpSpPr>
@@ -2205,7 +2205,7 @@
       </p:grpSpPr>
       <p:sp>
         <p:nvSpPr>
-          <p:cNvPr id="104" name="Google Shape;104;g302671db11d_0_61:notes"/>
+          <p:cNvPr id="119" name="Google Shape;119;g302671db11d_0_61:notes"/>
           <p:cNvSpPr/>
           <p:nvPr>
             <p:ph idx="2" type="sldImg"/>
@@ -2240,7 +2240,7 @@
       </p:sp>
       <p:sp>
         <p:nvSpPr>
-          <p:cNvPr id="105" name="Google Shape;105;g302671db11d_0_61:notes"/>
+          <p:cNvPr id="120" name="Google Shape;120;g302671db11d_0_61:notes"/>
           <p:cNvSpPr txBox="1"/>
           <p:nvPr>
             <p:ph idx="1" type="body"/>
@@ -2587,49 +2587,150 @@
           <a:p/>
         </p:txBody>
       </p:sp>
-      <p:sp>
-        <p:nvSpPr>
+      <p:grpSp>
+        <p:nvGrpSpPr>
           <p:cNvPr id="12" name="Google Shape;12;p2"/>
-          <p:cNvSpPr/>
+          <p:cNvGrpSpPr/>
           <p:nvPr/>
-        </p:nvSpPr>
-        <p:spPr>
+        </p:nvGrpSpPr>
+        <p:grpSpPr>
           <a:xfrm>
             <a:off x="0" y="2388810"/>
             <a:ext cx="9144000" cy="183000"/>
-          </a:xfrm>
-          <a:prstGeom prst="rect">
-            <a:avLst/>
-          </a:prstGeom>
-          <a:solidFill>
-            <a:schemeClr val="accent4"/>
-          </a:solidFill>
-          <a:ln>
-            <a:noFill/>
-          </a:ln>
-        </p:spPr>
-        <p:txBody>
-          <a:bodyPr anchorCtr="0" anchor="ctr" bIns="91425" lIns="91425" spcFirstLastPara="1" rIns="91425" wrap="square" tIns="91425">
-            <a:noAutofit/>
-          </a:bodyPr>
-          <a:lstStyle/>
-          <a:p>
-            <a:pPr indent="0" lvl="0" marL="0" rtl="0" algn="l">
-              <a:spcBef>
-                <a:spcPts val="0"/>
-              </a:spcBef>
-              <a:spcAft>
-                <a:spcPts val="0"/>
-              </a:spcAft>
-              <a:buNone/>
-            </a:pPr>
-            <a:r>
-              <a:t/>
-            </a:r>
-            <a:endParaRPr/>
-          </a:p>
-        </p:txBody>
-      </p:sp>
+            <a:chOff x="0" y="2388810"/>
+            <a:chExt cx="9144000" cy="183000"/>
+          </a:xfrm>
+        </p:grpSpPr>
+        <p:sp>
+          <p:nvSpPr>
+            <p:cNvPr id="13" name="Google Shape;13;p2"/>
+            <p:cNvSpPr/>
+            <p:nvPr/>
+          </p:nvSpPr>
+          <p:spPr>
+            <a:xfrm>
+              <a:off x="0" y="2388810"/>
+              <a:ext cx="914400" cy="183000"/>
+            </a:xfrm>
+            <a:prstGeom prst="rect">
+              <a:avLst/>
+            </a:prstGeom>
+            <a:solidFill>
+              <a:schemeClr val="accent2"/>
+            </a:solidFill>
+            <a:ln>
+              <a:noFill/>
+            </a:ln>
+          </p:spPr>
+          <p:txBody>
+            <a:bodyPr anchorCtr="0" anchor="ctr" bIns="91425" lIns="91425" spcFirstLastPara="1" rIns="91425" wrap="square" tIns="91425">
+              <a:noAutofit/>
+            </a:bodyPr>
+            <a:lstStyle/>
+            <a:p>
+              <a:pPr indent="0" lvl="0" marL="0" rtl="0" algn="l">
+                <a:spcBef>
+                  <a:spcPts val="0"/>
+                </a:spcBef>
+                <a:spcAft>
+                  <a:spcPts val="0"/>
+                </a:spcAft>
+                <a:buNone/>
+              </a:pPr>
+              <a:r>
+                <a:t/>
+              </a:r>
+              <a:endParaRPr/>
+            </a:p>
+          </p:txBody>
+        </p:sp>
+        <p:sp>
+          <p:nvSpPr>
+            <p:cNvPr id="14" name="Google Shape;14;p2"/>
+            <p:cNvSpPr/>
+            <p:nvPr/>
+          </p:nvSpPr>
+          <p:spPr>
+            <a:xfrm>
+              <a:off x="914400" y="2388810"/>
+              <a:ext cx="1828800" cy="183000"/>
+            </a:xfrm>
+            <a:prstGeom prst="rect">
+              <a:avLst/>
+            </a:prstGeom>
+            <a:solidFill>
+              <a:schemeClr val="accent3"/>
+            </a:solidFill>
+            <a:ln>
+              <a:noFill/>
+            </a:ln>
+          </p:spPr>
+          <p:txBody>
+            <a:bodyPr anchorCtr="0" anchor="ctr" bIns="91425" lIns="91425" spcFirstLastPara="1" rIns="91425" wrap="square" tIns="91425">
+              <a:noAutofit/>
+            </a:bodyPr>
+            <a:lstStyle/>
+            <a:p>
+              <a:pPr indent="0" lvl="0" marL="0" rtl="0" algn="l">
+                <a:spcBef>
+                  <a:spcPts val="0"/>
+                </a:spcBef>
+                <a:spcAft>
+                  <a:spcPts val="0"/>
+                </a:spcAft>
+                <a:buNone/>
+              </a:pPr>
+              <a:r>
+                <a:t/>
+              </a:r>
+              <a:endParaRPr/>
+            </a:p>
+          </p:txBody>
+        </p:sp>
+        <p:sp>
+          <p:nvSpPr>
+            <p:cNvPr id="15" name="Google Shape;15;p2"/>
+            <p:cNvSpPr/>
+            <p:nvPr/>
+          </p:nvSpPr>
+          <p:spPr>
+            <a:xfrm>
+              <a:off x="2743200" y="2388810"/>
+              <a:ext cx="6400800" cy="183000"/>
+            </a:xfrm>
+            <a:prstGeom prst="rect">
+              <a:avLst/>
+            </a:prstGeom>
+            <a:solidFill>
+              <a:schemeClr val="accent4"/>
+            </a:solidFill>
+            <a:ln>
+              <a:noFill/>
+            </a:ln>
+          </p:spPr>
+          <p:txBody>
+            <a:bodyPr anchorCtr="0" anchor="ctr" bIns="91425" lIns="91425" spcFirstLastPara="1" rIns="91425" wrap="square" tIns="91425">
+              <a:noAutofit/>
+            </a:bodyPr>
+            <a:lstStyle/>
+            <a:p>
+              <a:pPr indent="0" lvl="0" marL="0" rtl="0" algn="l">
+                <a:spcBef>
+                  <a:spcPts val="0"/>
+                </a:spcBef>
+                <a:spcAft>
+                  <a:spcPts val="0"/>
+                </a:spcAft>
+                <a:buNone/>
+              </a:pPr>
+              <a:r>
+                <a:t/>
+              </a:r>
+              <a:endParaRPr/>
+            </a:p>
+          </p:txBody>
+        </p:sp>
+      </p:grpSp>
     </p:spTree>
   </p:cSld>
   <p:clrMapOvr>
@@ -2641,199 +2742,6 @@
 <file path=ppt/slideLayouts/slideLayout2.xml><?xml version="1.0" encoding="utf-8"?>
 <p:sldLayout xmlns:a="http://schemas.openxmlformats.org/drawingml/2006/main" xmlns:r="http://schemas.openxmlformats.org/officeDocument/2006/relationships" xmlns:mc="http://schemas.openxmlformats.org/markup-compatibility/2006" xmlns:mv="urn:schemas-microsoft-com:mac:vml" xmlns:p="http://schemas.openxmlformats.org/presentationml/2006/main" xmlns:c="http://schemas.openxmlformats.org/drawingml/2006/chart" xmlns:dgm="http://schemas.openxmlformats.org/drawingml/2006/diagram" xmlns:o="urn:schemas-microsoft-com:office:office" xmlns:v="urn:schemas-microsoft-com:vml" xmlns:pvml="urn:schemas-microsoft-com:office:powerpoint" xmlns:com="http://schemas.openxmlformats.org/drawingml/2006/compatibility" xmlns:p14="http://schemas.microsoft.com/office/powerpoint/2010/main" xmlns:p15="http://schemas.microsoft.com/office/powerpoint/2012/main" xmlns:ahyp="http://schemas.microsoft.com/office/drawing/2018/hyperlinkcolor" matchingName="Section header" type="secHead">
   <p:cSld name="SECTION_HEADER">
-    <p:spTree>
-      <p:nvGrpSpPr>
-        <p:cNvPr id="13" name="Shape 13"/>
-        <p:cNvGrpSpPr/>
-        <p:nvPr/>
-      </p:nvGrpSpPr>
-      <p:grpSpPr>
-        <a:xfrm>
-          <a:off x="0" y="0"/>
-          <a:ext cx="0" cy="0"/>
-          <a:chOff x="0" y="0"/>
-          <a:chExt cx="0" cy="0"/>
-        </a:xfrm>
-      </p:grpSpPr>
-      <p:sp>
-        <p:nvSpPr>
-          <p:cNvPr id="14" name="Google Shape;14;p3"/>
-          <p:cNvSpPr txBox="1"/>
-          <p:nvPr>
-            <p:ph type="title"/>
-          </p:nvPr>
-        </p:nvSpPr>
-        <p:spPr>
-          <a:xfrm>
-            <a:off x="0" y="-7"/>
-            <a:ext cx="9144000" cy="2386500"/>
-          </a:xfrm>
-          <a:prstGeom prst="rect">
-            <a:avLst/>
-          </a:prstGeom>
-        </p:spPr>
-        <p:txBody>
-          <a:bodyPr anchorCtr="0" anchor="b" bIns="274300" lIns="91425" spcFirstLastPara="1" rIns="91425" wrap="square" tIns="91425">
-            <a:noAutofit/>
-          </a:bodyPr>
-          <a:lstStyle>
-            <a:lvl1pPr lvl="0" algn="ctr">
-              <a:spcBef>
-                <a:spcPts val="0"/>
-              </a:spcBef>
-              <a:spcAft>
-                <a:spcPts val="0"/>
-              </a:spcAft>
-              <a:buSzPts val="3000"/>
-              <a:buNone/>
-              <a:defRPr sz="3000"/>
-            </a:lvl1pPr>
-            <a:lvl2pPr lvl="1" algn="ctr">
-              <a:spcBef>
-                <a:spcPts val="0"/>
-              </a:spcBef>
-              <a:spcAft>
-                <a:spcPts val="0"/>
-              </a:spcAft>
-              <a:buSzPts val="3600"/>
-              <a:buNone/>
-              <a:defRPr sz="3600"/>
-            </a:lvl2pPr>
-            <a:lvl3pPr lvl="2" algn="ctr">
-              <a:spcBef>
-                <a:spcPts val="0"/>
-              </a:spcBef>
-              <a:spcAft>
-                <a:spcPts val="0"/>
-              </a:spcAft>
-              <a:buSzPts val="3600"/>
-              <a:buNone/>
-              <a:defRPr sz="3600"/>
-            </a:lvl3pPr>
-            <a:lvl4pPr lvl="3" algn="ctr">
-              <a:spcBef>
-                <a:spcPts val="0"/>
-              </a:spcBef>
-              <a:spcAft>
-                <a:spcPts val="0"/>
-              </a:spcAft>
-              <a:buSzPts val="3600"/>
-              <a:buNone/>
-              <a:defRPr sz="3600"/>
-            </a:lvl4pPr>
-            <a:lvl5pPr lvl="4" algn="ctr">
-              <a:spcBef>
-                <a:spcPts val="0"/>
-              </a:spcBef>
-              <a:spcAft>
-                <a:spcPts val="0"/>
-              </a:spcAft>
-              <a:buSzPts val="3600"/>
-              <a:buNone/>
-              <a:defRPr sz="3600"/>
-            </a:lvl5pPr>
-            <a:lvl6pPr lvl="5" algn="ctr">
-              <a:spcBef>
-                <a:spcPts val="0"/>
-              </a:spcBef>
-              <a:spcAft>
-                <a:spcPts val="0"/>
-              </a:spcAft>
-              <a:buSzPts val="3600"/>
-              <a:buNone/>
-              <a:defRPr sz="3600"/>
-            </a:lvl6pPr>
-            <a:lvl7pPr lvl="6" algn="ctr">
-              <a:spcBef>
-                <a:spcPts val="0"/>
-              </a:spcBef>
-              <a:spcAft>
-                <a:spcPts val="0"/>
-              </a:spcAft>
-              <a:buSzPts val="3600"/>
-              <a:buNone/>
-              <a:defRPr sz="3600"/>
-            </a:lvl7pPr>
-            <a:lvl8pPr lvl="7" algn="ctr">
-              <a:spcBef>
-                <a:spcPts val="0"/>
-              </a:spcBef>
-              <a:spcAft>
-                <a:spcPts val="0"/>
-              </a:spcAft>
-              <a:buSzPts val="3600"/>
-              <a:buNone/>
-              <a:defRPr sz="3600"/>
-            </a:lvl8pPr>
-            <a:lvl9pPr lvl="8" algn="ctr">
-              <a:spcBef>
-                <a:spcPts val="0"/>
-              </a:spcBef>
-              <a:spcAft>
-                <a:spcPts val="0"/>
-              </a:spcAft>
-              <a:buSzPts val="3600"/>
-              <a:buNone/>
-              <a:defRPr sz="3600"/>
-            </a:lvl9pPr>
-          </a:lstStyle>
-          <a:p/>
-        </p:txBody>
-      </p:sp>
-      <p:sp>
-        <p:nvSpPr>
-          <p:cNvPr id="15" name="Google Shape;15;p3"/>
-          <p:cNvSpPr/>
-          <p:nvPr/>
-        </p:nvSpPr>
-        <p:spPr>
-          <a:xfrm>
-            <a:off x="0" y="2386584"/>
-            <a:ext cx="9144000" cy="91500"/>
-          </a:xfrm>
-          <a:prstGeom prst="rect">
-            <a:avLst/>
-          </a:prstGeom>
-          <a:solidFill>
-            <a:schemeClr val="accent4"/>
-          </a:solidFill>
-          <a:ln>
-            <a:noFill/>
-          </a:ln>
-        </p:spPr>
-        <p:txBody>
-          <a:bodyPr anchorCtr="0" anchor="ctr" bIns="91425" lIns="91425" spcFirstLastPara="1" rIns="91425" wrap="square" tIns="91425">
-            <a:noAutofit/>
-          </a:bodyPr>
-          <a:lstStyle/>
-          <a:p>
-            <a:pPr indent="0" lvl="0" marL="0" rtl="0" algn="l">
-              <a:spcBef>
-                <a:spcPts val="0"/>
-              </a:spcBef>
-              <a:spcAft>
-                <a:spcPts val="0"/>
-              </a:spcAft>
-              <a:buNone/>
-            </a:pPr>
-            <a:r>
-              <a:t/>
-            </a:r>
-            <a:endParaRPr/>
-          </a:p>
-        </p:txBody>
-      </p:sp>
-    </p:spTree>
-  </p:cSld>
-  <p:clrMapOvr>
-    <a:masterClrMapping/>
-  </p:clrMapOvr>
-</p:sldLayout>
-</file>
-
-<file path=ppt/slideLayouts/slideLayout3.xml><?xml version="1.0" encoding="utf-8"?>
-<p:sldLayout xmlns:a="http://schemas.openxmlformats.org/drawingml/2006/main" xmlns:r="http://schemas.openxmlformats.org/officeDocument/2006/relationships" xmlns:mc="http://schemas.openxmlformats.org/markup-compatibility/2006" xmlns:mv="urn:schemas-microsoft-com:mac:vml" xmlns:p="http://schemas.openxmlformats.org/presentationml/2006/main" xmlns:c="http://schemas.openxmlformats.org/drawingml/2006/chart" xmlns:dgm="http://schemas.openxmlformats.org/drawingml/2006/diagram" xmlns:o="urn:schemas-microsoft-com:office:office" xmlns:v="urn:schemas-microsoft-com:vml" xmlns:pvml="urn:schemas-microsoft-com:office:powerpoint" xmlns:com="http://schemas.openxmlformats.org/drawingml/2006/compatibility" xmlns:p14="http://schemas.microsoft.com/office/powerpoint/2010/main" xmlns:p15="http://schemas.microsoft.com/office/powerpoint/2012/main" xmlns:ahyp="http://schemas.microsoft.com/office/drawing/2018/hyperlinkcolor" matchingName="Title and body" type="tx">
-  <p:cSld name="TITLE_AND_BODY">
     <p:spTree>
       <p:nvGrpSpPr>
         <p:cNvPr id="16" name="Shape 16"/>
@@ -2850,7 +2758,301 @@
       </p:grpSpPr>
       <p:sp>
         <p:nvSpPr>
-          <p:cNvPr id="17" name="Google Shape;17;p4"/>
+          <p:cNvPr id="17" name="Google Shape;17;p3"/>
+          <p:cNvSpPr txBox="1"/>
+          <p:nvPr>
+            <p:ph type="title"/>
+          </p:nvPr>
+        </p:nvSpPr>
+        <p:spPr>
+          <a:xfrm>
+            <a:off x="0" y="-7"/>
+            <a:ext cx="9144000" cy="2386500"/>
+          </a:xfrm>
+          <a:prstGeom prst="rect">
+            <a:avLst/>
+          </a:prstGeom>
+        </p:spPr>
+        <p:txBody>
+          <a:bodyPr anchorCtr="0" anchor="b" bIns="274300" lIns="91425" spcFirstLastPara="1" rIns="91425" wrap="square" tIns="91425">
+            <a:noAutofit/>
+          </a:bodyPr>
+          <a:lstStyle>
+            <a:lvl1pPr lvl="0" algn="ctr">
+              <a:spcBef>
+                <a:spcPts val="0"/>
+              </a:spcBef>
+              <a:spcAft>
+                <a:spcPts val="0"/>
+              </a:spcAft>
+              <a:buSzPts val="3000"/>
+              <a:buNone/>
+              <a:defRPr sz="3000"/>
+            </a:lvl1pPr>
+            <a:lvl2pPr lvl="1" algn="ctr">
+              <a:spcBef>
+                <a:spcPts val="0"/>
+              </a:spcBef>
+              <a:spcAft>
+                <a:spcPts val="0"/>
+              </a:spcAft>
+              <a:buSzPts val="3600"/>
+              <a:buNone/>
+              <a:defRPr sz="3600"/>
+            </a:lvl2pPr>
+            <a:lvl3pPr lvl="2" algn="ctr">
+              <a:spcBef>
+                <a:spcPts val="0"/>
+              </a:spcBef>
+              <a:spcAft>
+                <a:spcPts val="0"/>
+              </a:spcAft>
+              <a:buSzPts val="3600"/>
+              <a:buNone/>
+              <a:defRPr sz="3600"/>
+            </a:lvl3pPr>
+            <a:lvl4pPr lvl="3" algn="ctr">
+              <a:spcBef>
+                <a:spcPts val="0"/>
+              </a:spcBef>
+              <a:spcAft>
+                <a:spcPts val="0"/>
+              </a:spcAft>
+              <a:buSzPts val="3600"/>
+              <a:buNone/>
+              <a:defRPr sz="3600"/>
+            </a:lvl4pPr>
+            <a:lvl5pPr lvl="4" algn="ctr">
+              <a:spcBef>
+                <a:spcPts val="0"/>
+              </a:spcBef>
+              <a:spcAft>
+                <a:spcPts val="0"/>
+              </a:spcAft>
+              <a:buSzPts val="3600"/>
+              <a:buNone/>
+              <a:defRPr sz="3600"/>
+            </a:lvl5pPr>
+            <a:lvl6pPr lvl="5" algn="ctr">
+              <a:spcBef>
+                <a:spcPts val="0"/>
+              </a:spcBef>
+              <a:spcAft>
+                <a:spcPts val="0"/>
+              </a:spcAft>
+              <a:buSzPts val="3600"/>
+              <a:buNone/>
+              <a:defRPr sz="3600"/>
+            </a:lvl6pPr>
+            <a:lvl7pPr lvl="6" algn="ctr">
+              <a:spcBef>
+                <a:spcPts val="0"/>
+              </a:spcBef>
+              <a:spcAft>
+                <a:spcPts val="0"/>
+              </a:spcAft>
+              <a:buSzPts val="3600"/>
+              <a:buNone/>
+              <a:defRPr sz="3600"/>
+            </a:lvl7pPr>
+            <a:lvl8pPr lvl="7" algn="ctr">
+              <a:spcBef>
+                <a:spcPts val="0"/>
+              </a:spcBef>
+              <a:spcAft>
+                <a:spcPts val="0"/>
+              </a:spcAft>
+              <a:buSzPts val="3600"/>
+              <a:buNone/>
+              <a:defRPr sz="3600"/>
+            </a:lvl8pPr>
+            <a:lvl9pPr lvl="8" algn="ctr">
+              <a:spcBef>
+                <a:spcPts val="0"/>
+              </a:spcBef>
+              <a:spcAft>
+                <a:spcPts val="0"/>
+              </a:spcAft>
+              <a:buSzPts val="3600"/>
+              <a:buNone/>
+              <a:defRPr sz="3600"/>
+            </a:lvl9pPr>
+          </a:lstStyle>
+          <a:p/>
+        </p:txBody>
+      </p:sp>
+      <p:grpSp>
+        <p:nvGrpSpPr>
+          <p:cNvPr id="18" name="Google Shape;18;p3"/>
+          <p:cNvGrpSpPr/>
+          <p:nvPr/>
+        </p:nvGrpSpPr>
+        <p:grpSpPr>
+          <a:xfrm>
+            <a:off x="0" y="2432304"/>
+            <a:ext cx="9144000" cy="91500"/>
+            <a:chOff x="0" y="2386584"/>
+            <a:chExt cx="9144000" cy="91500"/>
+          </a:xfrm>
+        </p:grpSpPr>
+        <p:sp>
+          <p:nvSpPr>
+            <p:cNvPr id="19" name="Google Shape;19;p3"/>
+            <p:cNvSpPr/>
+            <p:nvPr/>
+          </p:nvSpPr>
+          <p:spPr>
+            <a:xfrm>
+              <a:off x="0" y="2386584"/>
+              <a:ext cx="914400" cy="91500"/>
+            </a:xfrm>
+            <a:prstGeom prst="rect">
+              <a:avLst/>
+            </a:prstGeom>
+            <a:solidFill>
+              <a:schemeClr val="accent2"/>
+            </a:solidFill>
+            <a:ln>
+              <a:noFill/>
+            </a:ln>
+          </p:spPr>
+          <p:txBody>
+            <a:bodyPr anchorCtr="0" anchor="ctr" bIns="91425" lIns="91425" spcFirstLastPara="1" rIns="91425" wrap="square" tIns="91425">
+              <a:noAutofit/>
+            </a:bodyPr>
+            <a:lstStyle/>
+            <a:p>
+              <a:pPr indent="0" lvl="0" marL="0" rtl="0" algn="l">
+                <a:spcBef>
+                  <a:spcPts val="0"/>
+                </a:spcBef>
+                <a:spcAft>
+                  <a:spcPts val="0"/>
+                </a:spcAft>
+                <a:buNone/>
+              </a:pPr>
+              <a:r>
+                <a:t/>
+              </a:r>
+              <a:endParaRPr/>
+            </a:p>
+          </p:txBody>
+        </p:sp>
+        <p:sp>
+          <p:nvSpPr>
+            <p:cNvPr id="20" name="Google Shape;20;p3"/>
+            <p:cNvSpPr/>
+            <p:nvPr/>
+          </p:nvSpPr>
+          <p:spPr>
+            <a:xfrm>
+              <a:off x="914400" y="2386584"/>
+              <a:ext cx="1828800" cy="91500"/>
+            </a:xfrm>
+            <a:prstGeom prst="rect">
+              <a:avLst/>
+            </a:prstGeom>
+            <a:solidFill>
+              <a:schemeClr val="accent3"/>
+            </a:solidFill>
+            <a:ln>
+              <a:noFill/>
+            </a:ln>
+          </p:spPr>
+          <p:txBody>
+            <a:bodyPr anchorCtr="0" anchor="ctr" bIns="91425" lIns="91425" spcFirstLastPara="1" rIns="91425" wrap="square" tIns="91425">
+              <a:noAutofit/>
+            </a:bodyPr>
+            <a:lstStyle/>
+            <a:p>
+              <a:pPr indent="0" lvl="0" marL="0" rtl="0" algn="l">
+                <a:spcBef>
+                  <a:spcPts val="0"/>
+                </a:spcBef>
+                <a:spcAft>
+                  <a:spcPts val="0"/>
+                </a:spcAft>
+                <a:buNone/>
+              </a:pPr>
+              <a:r>
+                <a:t/>
+              </a:r>
+              <a:endParaRPr/>
+            </a:p>
+          </p:txBody>
+        </p:sp>
+        <p:sp>
+          <p:nvSpPr>
+            <p:cNvPr id="21" name="Google Shape;21;p3"/>
+            <p:cNvSpPr/>
+            <p:nvPr/>
+          </p:nvSpPr>
+          <p:spPr>
+            <a:xfrm>
+              <a:off x="2743200" y="2386584"/>
+              <a:ext cx="6400800" cy="91500"/>
+            </a:xfrm>
+            <a:prstGeom prst="rect">
+              <a:avLst/>
+            </a:prstGeom>
+            <a:solidFill>
+              <a:schemeClr val="accent4"/>
+            </a:solidFill>
+            <a:ln>
+              <a:noFill/>
+            </a:ln>
+          </p:spPr>
+          <p:txBody>
+            <a:bodyPr anchorCtr="0" anchor="ctr" bIns="91425" lIns="91425" spcFirstLastPara="1" rIns="91425" wrap="square" tIns="91425">
+              <a:noAutofit/>
+            </a:bodyPr>
+            <a:lstStyle/>
+            <a:p>
+              <a:pPr indent="0" lvl="0" marL="0" rtl="0" algn="l">
+                <a:spcBef>
+                  <a:spcPts val="0"/>
+                </a:spcBef>
+                <a:spcAft>
+                  <a:spcPts val="0"/>
+                </a:spcAft>
+                <a:buNone/>
+              </a:pPr>
+              <a:r>
+                <a:t/>
+              </a:r>
+              <a:endParaRPr/>
+            </a:p>
+          </p:txBody>
+        </p:sp>
+      </p:grpSp>
+    </p:spTree>
+  </p:cSld>
+  <p:clrMapOvr>
+    <a:masterClrMapping/>
+  </p:clrMapOvr>
+</p:sldLayout>
+</file>
+
+<file path=ppt/slideLayouts/slideLayout3.xml><?xml version="1.0" encoding="utf-8"?>
+<p:sldLayout xmlns:a="http://schemas.openxmlformats.org/drawingml/2006/main" xmlns:r="http://schemas.openxmlformats.org/officeDocument/2006/relationships" xmlns:mc="http://schemas.openxmlformats.org/markup-compatibility/2006" xmlns:mv="urn:schemas-microsoft-com:mac:vml" xmlns:p="http://schemas.openxmlformats.org/presentationml/2006/main" xmlns:c="http://schemas.openxmlformats.org/drawingml/2006/chart" xmlns:dgm="http://schemas.openxmlformats.org/drawingml/2006/diagram" xmlns:o="urn:schemas-microsoft-com:office:office" xmlns:v="urn:schemas-microsoft-com:vml" xmlns:pvml="urn:schemas-microsoft-com:office:powerpoint" xmlns:com="http://schemas.openxmlformats.org/drawingml/2006/compatibility" xmlns:p14="http://schemas.microsoft.com/office/powerpoint/2010/main" xmlns:p15="http://schemas.microsoft.com/office/powerpoint/2012/main" xmlns:ahyp="http://schemas.microsoft.com/office/drawing/2018/hyperlinkcolor" matchingName="Title and body" type="tx">
+  <p:cSld name="TITLE_AND_BODY">
+    <p:spTree>
+      <p:nvGrpSpPr>
+        <p:cNvPr id="22" name="Shape 22"/>
+        <p:cNvGrpSpPr/>
+        <p:nvPr/>
+      </p:nvGrpSpPr>
+      <p:grpSpPr>
+        <a:xfrm>
+          <a:off x="0" y="0"/>
+          <a:ext cx="0" cy="0"/>
+          <a:chOff x="0" y="0"/>
+          <a:chExt cx="0" cy="0"/>
+        </a:xfrm>
+      </p:grpSpPr>
+      <p:sp>
+        <p:nvSpPr>
+          <p:cNvPr id="23" name="Google Shape;23;p4"/>
           <p:cNvSpPr txBox="1"/>
           <p:nvPr>
             <p:ph type="title"/>
@@ -2975,7 +3177,7 @@
       </p:sp>
       <p:sp>
         <p:nvSpPr>
-          <p:cNvPr id="18" name="Google Shape;18;p4"/>
+          <p:cNvPr id="24" name="Google Shape;24;p4"/>
           <p:cNvSpPr txBox="1"/>
           <p:nvPr>
             <p:ph idx="1" type="body"/>
@@ -3100,50 +3302,7 @@
       </p:sp>
       <p:sp>
         <p:nvSpPr>
-          <p:cNvPr id="19" name="Google Shape;19;p4"/>
-          <p:cNvSpPr/>
-          <p:nvPr/>
-        </p:nvSpPr>
-        <p:spPr>
-          <a:xfrm>
-            <a:off x="0" y="685800"/>
-            <a:ext cx="9144000" cy="91500"/>
-          </a:xfrm>
-          <a:prstGeom prst="rect">
-            <a:avLst/>
-          </a:prstGeom>
-          <a:solidFill>
-            <a:schemeClr val="accent4"/>
-          </a:solidFill>
-          <a:ln>
-            <a:noFill/>
-          </a:ln>
-        </p:spPr>
-        <p:txBody>
-          <a:bodyPr anchorCtr="0" anchor="ctr" bIns="91425" lIns="91425" spcFirstLastPara="1" rIns="91425" wrap="square" tIns="91425">
-            <a:noAutofit/>
-          </a:bodyPr>
-          <a:lstStyle/>
-          <a:p>
-            <a:pPr indent="0" lvl="0" marL="0" rtl="0" algn="l">
-              <a:spcBef>
-                <a:spcPts val="0"/>
-              </a:spcBef>
-              <a:spcAft>
-                <a:spcPts val="0"/>
-              </a:spcAft>
-              <a:buNone/>
-            </a:pPr>
-            <a:r>
-              <a:t/>
-            </a:r>
-            <a:endParaRPr/>
-          </a:p>
-        </p:txBody>
-      </p:sp>
-      <p:sp>
-        <p:nvSpPr>
-          <p:cNvPr id="20" name="Google Shape;20;p4"/>
+          <p:cNvPr id="25" name="Google Shape;25;p4"/>
           <p:cNvSpPr txBox="1"/>
           <p:nvPr>
             <p:ph idx="12" type="sldNum"/>
@@ -3151,8 +3310,8 @@
         </p:nvSpPr>
         <p:spPr>
           <a:xfrm>
-            <a:off x="7315209" y="4229101"/>
-            <a:ext cx="1828800" cy="914400"/>
+            <a:off x="7315202" y="4416550"/>
+            <a:ext cx="1828800" cy="731400"/>
           </a:xfrm>
           <a:prstGeom prst="rect">
             <a:avLst/>
@@ -3163,73 +3322,73 @@
             <a:noAutofit/>
           </a:bodyPr>
           <a:lstStyle>
-            <a:lvl1pPr lvl="0" rtl="0" algn="r">
-              <a:buNone/>
-              <a:defRPr b="1" sz="2400">
+            <a:lvl1pPr lvl="0" rtl="0">
+              <a:buNone/>
+              <a:defRPr>
                 <a:solidFill>
                   <a:schemeClr val="dk1"/>
                 </a:solidFill>
               </a:defRPr>
             </a:lvl1pPr>
-            <a:lvl2pPr lvl="1" rtl="0" algn="r">
-              <a:buNone/>
-              <a:defRPr b="1" sz="2400">
+            <a:lvl2pPr lvl="1" rtl="0">
+              <a:buNone/>
+              <a:defRPr>
                 <a:solidFill>
                   <a:schemeClr val="dk1"/>
                 </a:solidFill>
               </a:defRPr>
             </a:lvl2pPr>
-            <a:lvl3pPr lvl="2" rtl="0" algn="r">
-              <a:buNone/>
-              <a:defRPr b="1" sz="2400">
+            <a:lvl3pPr lvl="2" rtl="0">
+              <a:buNone/>
+              <a:defRPr>
                 <a:solidFill>
                   <a:schemeClr val="dk1"/>
                 </a:solidFill>
               </a:defRPr>
             </a:lvl3pPr>
-            <a:lvl4pPr lvl="3" rtl="0" algn="r">
-              <a:buNone/>
-              <a:defRPr b="1" sz="2400">
+            <a:lvl4pPr lvl="3" rtl="0">
+              <a:buNone/>
+              <a:defRPr>
                 <a:solidFill>
                   <a:schemeClr val="dk1"/>
                 </a:solidFill>
               </a:defRPr>
             </a:lvl4pPr>
-            <a:lvl5pPr lvl="4" rtl="0" algn="r">
-              <a:buNone/>
-              <a:defRPr b="1" sz="2400">
+            <a:lvl5pPr lvl="4" rtl="0">
+              <a:buNone/>
+              <a:defRPr>
                 <a:solidFill>
                   <a:schemeClr val="dk1"/>
                 </a:solidFill>
               </a:defRPr>
             </a:lvl5pPr>
-            <a:lvl6pPr lvl="5" rtl="0" algn="r">
-              <a:buNone/>
-              <a:defRPr b="1" sz="2400">
+            <a:lvl6pPr lvl="5" rtl="0">
+              <a:buNone/>
+              <a:defRPr>
                 <a:solidFill>
                   <a:schemeClr val="dk1"/>
                 </a:solidFill>
               </a:defRPr>
             </a:lvl6pPr>
-            <a:lvl7pPr lvl="6" rtl="0" algn="r">
-              <a:buNone/>
-              <a:defRPr b="1" sz="2400">
+            <a:lvl7pPr lvl="6" rtl="0">
+              <a:buNone/>
+              <a:defRPr>
                 <a:solidFill>
                   <a:schemeClr val="dk1"/>
                 </a:solidFill>
               </a:defRPr>
             </a:lvl7pPr>
-            <a:lvl8pPr lvl="7" rtl="0" algn="r">
-              <a:buNone/>
-              <a:defRPr b="1" sz="2400">
+            <a:lvl8pPr lvl="7" rtl="0">
+              <a:buNone/>
+              <a:defRPr>
                 <a:solidFill>
                   <a:schemeClr val="dk1"/>
                 </a:solidFill>
               </a:defRPr>
             </a:lvl8pPr>
-            <a:lvl9pPr lvl="8" rtl="0" algn="r">
-              <a:buNone/>
-              <a:defRPr b="1" sz="2400">
+            <a:lvl9pPr lvl="8" rtl="0">
+              <a:buNone/>
+              <a:defRPr>
                 <a:solidFill>
                   <a:schemeClr val="dk1"/>
                 </a:solidFill>
@@ -3260,26 +3419,177 @@
               <a:spcAft>
                 <a:spcPts val="0"/>
               </a:spcAft>
-              <a:buClr>
-                <a:schemeClr val="dk1"/>
-              </a:buClr>
-              <a:buSzPts val="1100"/>
-              <a:buFont typeface="Arial"/>
-              <a:buNone/>
-            </a:pPr>
-            <a:r>
-              <a:rPr b="0" lang="en" sz="1000" u="sng">
+              <a:buNone/>
+            </a:pPr>
+            <a:r>
+              <a:rPr b="0" lang="en" sz="900" u="sng">
                 <a:solidFill>
                   <a:schemeClr val="hlink"/>
                 </a:solidFill>
                 <a:hlinkClick r:id="rId2"/>
               </a:rPr>
-              <a:t>https://profriehle.com</a:t>
-            </a:r>
-            <a:endParaRPr b="0" sz="1000"/>
+              <a:t>https://oss.cs.fau.de</a:t>
+            </a:r>
+            <a:r>
+              <a:rPr b="0" lang="en" sz="900">
+                <a:solidFill>
+                  <a:schemeClr val="dk2"/>
+                </a:solidFill>
+              </a:rPr>
+              <a:t> </a:t>
+            </a:r>
+            <a:endParaRPr b="0" sz="900">
+              <a:solidFill>
+                <a:schemeClr val="dk2"/>
+              </a:solidFill>
+            </a:endParaRPr>
           </a:p>
         </p:txBody>
       </p:sp>
+      <p:grpSp>
+        <p:nvGrpSpPr>
+          <p:cNvPr id="26" name="Google Shape;26;p4"/>
+          <p:cNvGrpSpPr/>
+          <p:nvPr/>
+        </p:nvGrpSpPr>
+        <p:grpSpPr>
+          <a:xfrm>
+            <a:off x="0" y="685800"/>
+            <a:ext cx="9144000" cy="91500"/>
+            <a:chOff x="0" y="2386584"/>
+            <a:chExt cx="9144000" cy="91500"/>
+          </a:xfrm>
+        </p:grpSpPr>
+        <p:sp>
+          <p:nvSpPr>
+            <p:cNvPr id="27" name="Google Shape;27;p4"/>
+            <p:cNvSpPr/>
+            <p:nvPr/>
+          </p:nvSpPr>
+          <p:spPr>
+            <a:xfrm>
+              <a:off x="0" y="2386584"/>
+              <a:ext cx="914400" cy="91500"/>
+            </a:xfrm>
+            <a:prstGeom prst="rect">
+              <a:avLst/>
+            </a:prstGeom>
+            <a:solidFill>
+              <a:schemeClr val="accent2"/>
+            </a:solidFill>
+            <a:ln>
+              <a:noFill/>
+            </a:ln>
+          </p:spPr>
+          <p:txBody>
+            <a:bodyPr anchorCtr="0" anchor="ctr" bIns="91425" lIns="91425" spcFirstLastPara="1" rIns="91425" wrap="square" tIns="91425">
+              <a:noAutofit/>
+            </a:bodyPr>
+            <a:lstStyle/>
+            <a:p>
+              <a:pPr indent="0" lvl="0" marL="0" rtl="0" algn="l">
+                <a:spcBef>
+                  <a:spcPts val="0"/>
+                </a:spcBef>
+                <a:spcAft>
+                  <a:spcPts val="0"/>
+                </a:spcAft>
+                <a:buNone/>
+              </a:pPr>
+              <a:r>
+                <a:t/>
+              </a:r>
+              <a:endParaRPr/>
+            </a:p>
+          </p:txBody>
+        </p:sp>
+        <p:sp>
+          <p:nvSpPr>
+            <p:cNvPr id="28" name="Google Shape;28;p4"/>
+            <p:cNvSpPr/>
+            <p:nvPr/>
+          </p:nvSpPr>
+          <p:spPr>
+            <a:xfrm>
+              <a:off x="914400" y="2386584"/>
+              <a:ext cx="1828800" cy="91500"/>
+            </a:xfrm>
+            <a:prstGeom prst="rect">
+              <a:avLst/>
+            </a:prstGeom>
+            <a:solidFill>
+              <a:schemeClr val="accent3"/>
+            </a:solidFill>
+            <a:ln>
+              <a:noFill/>
+            </a:ln>
+          </p:spPr>
+          <p:txBody>
+            <a:bodyPr anchorCtr="0" anchor="ctr" bIns="91425" lIns="91425" spcFirstLastPara="1" rIns="91425" wrap="square" tIns="91425">
+              <a:noAutofit/>
+            </a:bodyPr>
+            <a:lstStyle/>
+            <a:p>
+              <a:pPr indent="0" lvl="0" marL="0" rtl="0" algn="l">
+                <a:spcBef>
+                  <a:spcPts val="0"/>
+                </a:spcBef>
+                <a:spcAft>
+                  <a:spcPts val="0"/>
+                </a:spcAft>
+                <a:buNone/>
+              </a:pPr>
+              <a:r>
+                <a:t/>
+              </a:r>
+              <a:endParaRPr/>
+            </a:p>
+          </p:txBody>
+        </p:sp>
+        <p:sp>
+          <p:nvSpPr>
+            <p:cNvPr id="29" name="Google Shape;29;p4"/>
+            <p:cNvSpPr/>
+            <p:nvPr/>
+          </p:nvSpPr>
+          <p:spPr>
+            <a:xfrm>
+              <a:off x="2743200" y="2386584"/>
+              <a:ext cx="6400800" cy="91500"/>
+            </a:xfrm>
+            <a:prstGeom prst="rect">
+              <a:avLst/>
+            </a:prstGeom>
+            <a:solidFill>
+              <a:schemeClr val="accent4"/>
+            </a:solidFill>
+            <a:ln>
+              <a:noFill/>
+            </a:ln>
+          </p:spPr>
+          <p:txBody>
+            <a:bodyPr anchorCtr="0" anchor="ctr" bIns="91425" lIns="91425" spcFirstLastPara="1" rIns="91425" wrap="square" tIns="91425">
+              <a:noAutofit/>
+            </a:bodyPr>
+            <a:lstStyle/>
+            <a:p>
+              <a:pPr indent="0" lvl="0" marL="0" rtl="0" algn="l">
+                <a:spcBef>
+                  <a:spcPts val="0"/>
+                </a:spcBef>
+                <a:spcAft>
+                  <a:spcPts val="0"/>
+                </a:spcAft>
+                <a:buNone/>
+              </a:pPr>
+              <a:r>
+                <a:t/>
+              </a:r>
+              <a:endParaRPr/>
+            </a:p>
+          </p:txBody>
+        </p:sp>
+      </p:grpSp>
     </p:spTree>
   </p:cSld>
   <p:clrMapOvr>
@@ -3293,7 +3603,7 @@
   <p:cSld name="TITLE_AND_TWO_COLUMNS">
     <p:spTree>
       <p:nvGrpSpPr>
-        <p:cNvPr id="21" name="Shape 21"/>
+        <p:cNvPr id="30" name="Shape 30"/>
         <p:cNvGrpSpPr/>
         <p:nvPr/>
       </p:nvGrpSpPr>
@@ -3307,7 +3617,7 @@
       </p:grpSpPr>
       <p:sp>
         <p:nvSpPr>
-          <p:cNvPr id="22" name="Google Shape;22;p5"/>
+          <p:cNvPr id="31" name="Google Shape;31;p5"/>
           <p:cNvSpPr txBox="1"/>
           <p:nvPr>
             <p:ph type="title"/>
@@ -3435,7 +3745,7 @@
       </p:sp>
       <p:sp>
         <p:nvSpPr>
-          <p:cNvPr id="23" name="Google Shape;23;p5"/>
+          <p:cNvPr id="32" name="Google Shape;32;p5"/>
           <p:cNvSpPr txBox="1"/>
           <p:nvPr>
             <p:ph idx="1" type="body"/>
@@ -3560,7 +3870,7 @@
       </p:sp>
       <p:sp>
         <p:nvSpPr>
-          <p:cNvPr id="24" name="Google Shape;24;p5"/>
+          <p:cNvPr id="33" name="Google Shape;33;p5"/>
           <p:cNvSpPr txBox="1"/>
           <p:nvPr>
             <p:ph idx="2" type="body"/>
@@ -3685,50 +3995,7 @@
       </p:sp>
       <p:sp>
         <p:nvSpPr>
-          <p:cNvPr id="25" name="Google Shape;25;p5"/>
-          <p:cNvSpPr/>
-          <p:nvPr/>
-        </p:nvSpPr>
-        <p:spPr>
-          <a:xfrm>
-            <a:off x="0" y="685800"/>
-            <a:ext cx="9144000" cy="91500"/>
-          </a:xfrm>
-          <a:prstGeom prst="rect">
-            <a:avLst/>
-          </a:prstGeom>
-          <a:solidFill>
-            <a:schemeClr val="accent4"/>
-          </a:solidFill>
-          <a:ln>
-            <a:noFill/>
-          </a:ln>
-        </p:spPr>
-        <p:txBody>
-          <a:bodyPr anchorCtr="0" anchor="ctr" bIns="91425" lIns="91425" spcFirstLastPara="1" rIns="91425" wrap="square" tIns="91425">
-            <a:noAutofit/>
-          </a:bodyPr>
-          <a:lstStyle/>
-          <a:p>
-            <a:pPr indent="0" lvl="0" marL="0" rtl="0" algn="l">
-              <a:spcBef>
-                <a:spcPts val="0"/>
-              </a:spcBef>
-              <a:spcAft>
-                <a:spcPts val="0"/>
-              </a:spcAft>
-              <a:buNone/>
-            </a:pPr>
-            <a:r>
-              <a:t/>
-            </a:r>
-            <a:endParaRPr/>
-          </a:p>
-        </p:txBody>
-      </p:sp>
-      <p:sp>
-        <p:nvSpPr>
-          <p:cNvPr id="26" name="Google Shape;26;p5"/>
+          <p:cNvPr id="34" name="Google Shape;34;p5"/>
           <p:cNvSpPr txBox="1"/>
           <p:nvPr>
             <p:ph idx="12" type="sldNum"/>
@@ -3736,8 +4003,8 @@
         </p:nvSpPr>
         <p:spPr>
           <a:xfrm>
-            <a:off x="7315209" y="4229101"/>
-            <a:ext cx="1828800" cy="914400"/>
+            <a:off x="7315202" y="4416550"/>
+            <a:ext cx="1828800" cy="731400"/>
           </a:xfrm>
           <a:prstGeom prst="rect">
             <a:avLst/>
@@ -3748,73 +4015,73 @@
             <a:noAutofit/>
           </a:bodyPr>
           <a:lstStyle>
-            <a:lvl1pPr lvl="0" rtl="0" algn="r">
-              <a:buNone/>
-              <a:defRPr b="1" sz="2400">
+            <a:lvl1pPr lvl="0">
+              <a:buNone/>
+              <a:defRPr>
                 <a:solidFill>
                   <a:schemeClr val="dk1"/>
                 </a:solidFill>
               </a:defRPr>
             </a:lvl1pPr>
-            <a:lvl2pPr lvl="1" rtl="0" algn="r">
-              <a:buNone/>
-              <a:defRPr b="1" sz="2400">
+            <a:lvl2pPr lvl="1">
+              <a:buNone/>
+              <a:defRPr>
                 <a:solidFill>
                   <a:schemeClr val="dk1"/>
                 </a:solidFill>
               </a:defRPr>
             </a:lvl2pPr>
-            <a:lvl3pPr lvl="2" rtl="0" algn="r">
-              <a:buNone/>
-              <a:defRPr b="1" sz="2400">
+            <a:lvl3pPr lvl="2">
+              <a:buNone/>
+              <a:defRPr>
                 <a:solidFill>
                   <a:schemeClr val="dk1"/>
                 </a:solidFill>
               </a:defRPr>
             </a:lvl3pPr>
-            <a:lvl4pPr lvl="3" rtl="0" algn="r">
-              <a:buNone/>
-              <a:defRPr b="1" sz="2400">
+            <a:lvl4pPr lvl="3">
+              <a:buNone/>
+              <a:defRPr>
                 <a:solidFill>
                   <a:schemeClr val="dk1"/>
                 </a:solidFill>
               </a:defRPr>
             </a:lvl4pPr>
-            <a:lvl5pPr lvl="4" rtl="0" algn="r">
-              <a:buNone/>
-              <a:defRPr b="1" sz="2400">
+            <a:lvl5pPr lvl="4">
+              <a:buNone/>
+              <a:defRPr>
                 <a:solidFill>
                   <a:schemeClr val="dk1"/>
                 </a:solidFill>
               </a:defRPr>
             </a:lvl5pPr>
-            <a:lvl6pPr lvl="5" rtl="0" algn="r">
-              <a:buNone/>
-              <a:defRPr b="1" sz="2400">
+            <a:lvl6pPr lvl="5">
+              <a:buNone/>
+              <a:defRPr>
                 <a:solidFill>
                   <a:schemeClr val="dk1"/>
                 </a:solidFill>
               </a:defRPr>
             </a:lvl6pPr>
-            <a:lvl7pPr lvl="6" rtl="0" algn="r">
-              <a:buNone/>
-              <a:defRPr b="1" sz="2400">
+            <a:lvl7pPr lvl="6">
+              <a:buNone/>
+              <a:defRPr>
                 <a:solidFill>
                   <a:schemeClr val="dk1"/>
                 </a:solidFill>
               </a:defRPr>
             </a:lvl7pPr>
-            <a:lvl8pPr lvl="7" rtl="0" algn="r">
-              <a:buNone/>
-              <a:defRPr b="1" sz="2400">
+            <a:lvl8pPr lvl="7">
+              <a:buNone/>
+              <a:defRPr>
                 <a:solidFill>
                   <a:schemeClr val="dk1"/>
                 </a:solidFill>
               </a:defRPr>
             </a:lvl8pPr>
-            <a:lvl9pPr lvl="8" rtl="0" algn="r">
-              <a:buNone/>
-              <a:defRPr b="1" sz="2400">
+            <a:lvl9pPr lvl="8">
+              <a:buNone/>
+              <a:defRPr>
                 <a:solidFill>
                   <a:schemeClr val="dk1"/>
                 </a:solidFill>
@@ -3853,18 +4120,166 @@
               <a:buNone/>
             </a:pPr>
             <a:r>
-              <a:rPr b="0" lang="en" sz="1000" u="sng">
+              <a:rPr b="0" lang="en" sz="900" u="sng">
                 <a:solidFill>
                   <a:schemeClr val="hlink"/>
                 </a:solidFill>
                 <a:hlinkClick r:id="rId2"/>
               </a:rPr>
-              <a:t>https://profriehle.com</a:t>
-            </a:r>
-            <a:endParaRPr b="0" sz="1000"/>
+              <a:t>https://oss.cs.fau.de</a:t>
+            </a:r>
+            <a:endParaRPr>
+              <a:solidFill>
+                <a:schemeClr val="dk2"/>
+              </a:solidFill>
+            </a:endParaRPr>
           </a:p>
         </p:txBody>
       </p:sp>
+      <p:grpSp>
+        <p:nvGrpSpPr>
+          <p:cNvPr id="35" name="Google Shape;35;p5"/>
+          <p:cNvGrpSpPr/>
+          <p:nvPr/>
+        </p:nvGrpSpPr>
+        <p:grpSpPr>
+          <a:xfrm>
+            <a:off x="0" y="685800"/>
+            <a:ext cx="9144000" cy="91500"/>
+            <a:chOff x="0" y="2386584"/>
+            <a:chExt cx="9144000" cy="91500"/>
+          </a:xfrm>
+        </p:grpSpPr>
+        <p:sp>
+          <p:nvSpPr>
+            <p:cNvPr id="36" name="Google Shape;36;p5"/>
+            <p:cNvSpPr/>
+            <p:nvPr/>
+          </p:nvSpPr>
+          <p:spPr>
+            <a:xfrm>
+              <a:off x="0" y="2386584"/>
+              <a:ext cx="914400" cy="91500"/>
+            </a:xfrm>
+            <a:prstGeom prst="rect">
+              <a:avLst/>
+            </a:prstGeom>
+            <a:solidFill>
+              <a:schemeClr val="accent2"/>
+            </a:solidFill>
+            <a:ln>
+              <a:noFill/>
+            </a:ln>
+          </p:spPr>
+          <p:txBody>
+            <a:bodyPr anchorCtr="0" anchor="ctr" bIns="91425" lIns="91425" spcFirstLastPara="1" rIns="91425" wrap="square" tIns="91425">
+              <a:noAutofit/>
+            </a:bodyPr>
+            <a:lstStyle/>
+            <a:p>
+              <a:pPr indent="0" lvl="0" marL="0" rtl="0" algn="l">
+                <a:spcBef>
+                  <a:spcPts val="0"/>
+                </a:spcBef>
+                <a:spcAft>
+                  <a:spcPts val="0"/>
+                </a:spcAft>
+                <a:buNone/>
+              </a:pPr>
+              <a:r>
+                <a:t/>
+              </a:r>
+              <a:endParaRPr/>
+            </a:p>
+          </p:txBody>
+        </p:sp>
+        <p:sp>
+          <p:nvSpPr>
+            <p:cNvPr id="37" name="Google Shape;37;p5"/>
+            <p:cNvSpPr/>
+            <p:nvPr/>
+          </p:nvSpPr>
+          <p:spPr>
+            <a:xfrm>
+              <a:off x="914400" y="2386584"/>
+              <a:ext cx="1828800" cy="91500"/>
+            </a:xfrm>
+            <a:prstGeom prst="rect">
+              <a:avLst/>
+            </a:prstGeom>
+            <a:solidFill>
+              <a:schemeClr val="accent3"/>
+            </a:solidFill>
+            <a:ln>
+              <a:noFill/>
+            </a:ln>
+          </p:spPr>
+          <p:txBody>
+            <a:bodyPr anchorCtr="0" anchor="ctr" bIns="91425" lIns="91425" spcFirstLastPara="1" rIns="91425" wrap="square" tIns="91425">
+              <a:noAutofit/>
+            </a:bodyPr>
+            <a:lstStyle/>
+            <a:p>
+              <a:pPr indent="0" lvl="0" marL="0" rtl="0" algn="l">
+                <a:spcBef>
+                  <a:spcPts val="0"/>
+                </a:spcBef>
+                <a:spcAft>
+                  <a:spcPts val="0"/>
+                </a:spcAft>
+                <a:buNone/>
+              </a:pPr>
+              <a:r>
+                <a:t/>
+              </a:r>
+              <a:endParaRPr/>
+            </a:p>
+          </p:txBody>
+        </p:sp>
+        <p:sp>
+          <p:nvSpPr>
+            <p:cNvPr id="38" name="Google Shape;38;p5"/>
+            <p:cNvSpPr/>
+            <p:nvPr/>
+          </p:nvSpPr>
+          <p:spPr>
+            <a:xfrm>
+              <a:off x="2743200" y="2386584"/>
+              <a:ext cx="6400800" cy="91500"/>
+            </a:xfrm>
+            <a:prstGeom prst="rect">
+              <a:avLst/>
+            </a:prstGeom>
+            <a:solidFill>
+              <a:schemeClr val="accent4"/>
+            </a:solidFill>
+            <a:ln>
+              <a:noFill/>
+            </a:ln>
+          </p:spPr>
+          <p:txBody>
+            <a:bodyPr anchorCtr="0" anchor="ctr" bIns="91425" lIns="91425" spcFirstLastPara="1" rIns="91425" wrap="square" tIns="91425">
+              <a:noAutofit/>
+            </a:bodyPr>
+            <a:lstStyle/>
+            <a:p>
+              <a:pPr indent="0" lvl="0" marL="0" rtl="0" algn="l">
+                <a:spcBef>
+                  <a:spcPts val="0"/>
+                </a:spcBef>
+                <a:spcAft>
+                  <a:spcPts val="0"/>
+                </a:spcAft>
+                <a:buNone/>
+              </a:pPr>
+              <a:r>
+                <a:t/>
+              </a:r>
+              <a:endParaRPr/>
+            </a:p>
+          </p:txBody>
+        </p:sp>
+      </p:grpSp>
     </p:spTree>
   </p:cSld>
   <p:clrMapOvr>
@@ -3878,7 +4293,7 @@
   <p:cSld name="TITLE_ONLY">
     <p:spTree>
       <p:nvGrpSpPr>
-        <p:cNvPr id="27" name="Shape 27"/>
+        <p:cNvPr id="39" name="Shape 39"/>
         <p:cNvGrpSpPr/>
         <p:nvPr/>
       </p:nvGrpSpPr>
@@ -3892,7 +4307,7 @@
       </p:grpSpPr>
       <p:sp>
         <p:nvSpPr>
-          <p:cNvPr id="28" name="Google Shape;28;p6"/>
+          <p:cNvPr id="40" name="Google Shape;40;p6"/>
           <p:cNvSpPr txBox="1"/>
           <p:nvPr>
             <p:ph type="title"/>
@@ -4017,50 +4432,7 @@
       </p:sp>
       <p:sp>
         <p:nvSpPr>
-          <p:cNvPr id="29" name="Google Shape;29;p6"/>
-          <p:cNvSpPr/>
-          <p:nvPr/>
-        </p:nvSpPr>
-        <p:spPr>
-          <a:xfrm>
-            <a:off x="0" y="685800"/>
-            <a:ext cx="9144000" cy="91500"/>
-          </a:xfrm>
-          <a:prstGeom prst="rect">
-            <a:avLst/>
-          </a:prstGeom>
-          <a:solidFill>
-            <a:schemeClr val="accent4"/>
-          </a:solidFill>
-          <a:ln>
-            <a:noFill/>
-          </a:ln>
-        </p:spPr>
-        <p:txBody>
-          <a:bodyPr anchorCtr="0" anchor="ctr" bIns="91425" lIns="91425" spcFirstLastPara="1" rIns="91425" wrap="square" tIns="91425">
-            <a:noAutofit/>
-          </a:bodyPr>
-          <a:lstStyle/>
-          <a:p>
-            <a:pPr indent="0" lvl="0" marL="0" rtl="0" algn="l">
-              <a:spcBef>
-                <a:spcPts val="0"/>
-              </a:spcBef>
-              <a:spcAft>
-                <a:spcPts val="0"/>
-              </a:spcAft>
-              <a:buNone/>
-            </a:pPr>
-            <a:r>
-              <a:t/>
-            </a:r>
-            <a:endParaRPr/>
-          </a:p>
-        </p:txBody>
-      </p:sp>
-      <p:sp>
-        <p:nvSpPr>
-          <p:cNvPr id="30" name="Google Shape;30;p6"/>
+          <p:cNvPr id="41" name="Google Shape;41;p6"/>
           <p:cNvSpPr txBox="1"/>
           <p:nvPr>
             <p:ph idx="12" type="sldNum"/>
@@ -4068,8 +4440,8 @@
         </p:nvSpPr>
         <p:spPr>
           <a:xfrm>
-            <a:off x="7315209" y="4229101"/>
-            <a:ext cx="1828800" cy="914400"/>
+            <a:off x="7315202" y="4416550"/>
+            <a:ext cx="1828800" cy="731400"/>
           </a:xfrm>
           <a:prstGeom prst="rect">
             <a:avLst/>
@@ -4080,73 +4452,73 @@
             <a:noAutofit/>
           </a:bodyPr>
           <a:lstStyle>
-            <a:lvl1pPr lvl="0" rtl="0" algn="r">
-              <a:buNone/>
-              <a:defRPr b="1" sz="2400">
+            <a:lvl1pPr lvl="0">
+              <a:buNone/>
+              <a:defRPr>
                 <a:solidFill>
                   <a:schemeClr val="dk1"/>
                 </a:solidFill>
               </a:defRPr>
             </a:lvl1pPr>
-            <a:lvl2pPr lvl="1" rtl="0" algn="r">
-              <a:buNone/>
-              <a:defRPr b="1" sz="2400">
+            <a:lvl2pPr lvl="1">
+              <a:buNone/>
+              <a:defRPr>
                 <a:solidFill>
                   <a:schemeClr val="dk1"/>
                 </a:solidFill>
               </a:defRPr>
             </a:lvl2pPr>
-            <a:lvl3pPr lvl="2" rtl="0" algn="r">
-              <a:buNone/>
-              <a:defRPr b="1" sz="2400">
+            <a:lvl3pPr lvl="2">
+              <a:buNone/>
+              <a:defRPr>
                 <a:solidFill>
                   <a:schemeClr val="dk1"/>
                 </a:solidFill>
               </a:defRPr>
             </a:lvl3pPr>
-            <a:lvl4pPr lvl="3" rtl="0" algn="r">
-              <a:buNone/>
-              <a:defRPr b="1" sz="2400">
+            <a:lvl4pPr lvl="3">
+              <a:buNone/>
+              <a:defRPr>
                 <a:solidFill>
                   <a:schemeClr val="dk1"/>
                 </a:solidFill>
               </a:defRPr>
             </a:lvl4pPr>
-            <a:lvl5pPr lvl="4" rtl="0" algn="r">
-              <a:buNone/>
-              <a:defRPr b="1" sz="2400">
+            <a:lvl5pPr lvl="4">
+              <a:buNone/>
+              <a:defRPr>
                 <a:solidFill>
                   <a:schemeClr val="dk1"/>
                 </a:solidFill>
               </a:defRPr>
             </a:lvl5pPr>
-            <a:lvl6pPr lvl="5" rtl="0" algn="r">
-              <a:buNone/>
-              <a:defRPr b="1" sz="2400">
+            <a:lvl6pPr lvl="5">
+              <a:buNone/>
+              <a:defRPr>
                 <a:solidFill>
                   <a:schemeClr val="dk1"/>
                 </a:solidFill>
               </a:defRPr>
             </a:lvl6pPr>
-            <a:lvl7pPr lvl="6" rtl="0" algn="r">
-              <a:buNone/>
-              <a:defRPr b="1" sz="2400">
+            <a:lvl7pPr lvl="6">
+              <a:buNone/>
+              <a:defRPr>
                 <a:solidFill>
                   <a:schemeClr val="dk1"/>
                 </a:solidFill>
               </a:defRPr>
             </a:lvl7pPr>
-            <a:lvl8pPr lvl="7" rtl="0" algn="r">
-              <a:buNone/>
-              <a:defRPr b="1" sz="2400">
+            <a:lvl8pPr lvl="7">
+              <a:buNone/>
+              <a:defRPr>
                 <a:solidFill>
                   <a:schemeClr val="dk1"/>
                 </a:solidFill>
               </a:defRPr>
             </a:lvl8pPr>
-            <a:lvl9pPr lvl="8" rtl="0" algn="r">
-              <a:buNone/>
-              <a:defRPr b="1" sz="2400">
+            <a:lvl9pPr lvl="8">
+              <a:buNone/>
+              <a:defRPr>
                 <a:solidFill>
                   <a:schemeClr val="dk1"/>
                 </a:solidFill>
@@ -4177,26 +4549,177 @@
               <a:spcAft>
                 <a:spcPts val="0"/>
               </a:spcAft>
-              <a:buClr>
-                <a:schemeClr val="dk1"/>
-              </a:buClr>
-              <a:buSzPts val="1100"/>
-              <a:buFont typeface="Arial"/>
-              <a:buNone/>
-            </a:pPr>
-            <a:r>
-              <a:rPr b="0" lang="en" sz="1000" u="sng">
+              <a:buNone/>
+            </a:pPr>
+            <a:r>
+              <a:rPr b="0" lang="en" sz="900" u="sng">
                 <a:solidFill>
                   <a:schemeClr val="hlink"/>
                 </a:solidFill>
                 <a:hlinkClick r:id="rId2"/>
               </a:rPr>
-              <a:t>https://profriehle.com</a:t>
-            </a:r>
-            <a:endParaRPr b="0" sz="1000"/>
+              <a:t>https://oss.cs.fau.de</a:t>
+            </a:r>
+            <a:r>
+              <a:rPr b="0" lang="en" sz="900">
+                <a:solidFill>
+                  <a:schemeClr val="dk2"/>
+                </a:solidFill>
+              </a:rPr>
+              <a:t> </a:t>
+            </a:r>
+            <a:endParaRPr>
+              <a:solidFill>
+                <a:schemeClr val="dk2"/>
+              </a:solidFill>
+            </a:endParaRPr>
           </a:p>
         </p:txBody>
       </p:sp>
+      <p:grpSp>
+        <p:nvGrpSpPr>
+          <p:cNvPr id="42" name="Google Shape;42;p6"/>
+          <p:cNvGrpSpPr/>
+          <p:nvPr/>
+        </p:nvGrpSpPr>
+        <p:grpSpPr>
+          <a:xfrm>
+            <a:off x="0" y="685800"/>
+            <a:ext cx="9144000" cy="91500"/>
+            <a:chOff x="0" y="2386584"/>
+            <a:chExt cx="9144000" cy="91500"/>
+          </a:xfrm>
+        </p:grpSpPr>
+        <p:sp>
+          <p:nvSpPr>
+            <p:cNvPr id="43" name="Google Shape;43;p6"/>
+            <p:cNvSpPr/>
+            <p:nvPr/>
+          </p:nvSpPr>
+          <p:spPr>
+            <a:xfrm>
+              <a:off x="0" y="2386584"/>
+              <a:ext cx="914400" cy="91500"/>
+            </a:xfrm>
+            <a:prstGeom prst="rect">
+              <a:avLst/>
+            </a:prstGeom>
+            <a:solidFill>
+              <a:schemeClr val="accent2"/>
+            </a:solidFill>
+            <a:ln>
+              <a:noFill/>
+            </a:ln>
+          </p:spPr>
+          <p:txBody>
+            <a:bodyPr anchorCtr="0" anchor="ctr" bIns="91425" lIns="91425" spcFirstLastPara="1" rIns="91425" wrap="square" tIns="91425">
+              <a:noAutofit/>
+            </a:bodyPr>
+            <a:lstStyle/>
+            <a:p>
+              <a:pPr indent="0" lvl="0" marL="0" rtl="0" algn="l">
+                <a:spcBef>
+                  <a:spcPts val="0"/>
+                </a:spcBef>
+                <a:spcAft>
+                  <a:spcPts val="0"/>
+                </a:spcAft>
+                <a:buNone/>
+              </a:pPr>
+              <a:r>
+                <a:t/>
+              </a:r>
+              <a:endParaRPr/>
+            </a:p>
+          </p:txBody>
+        </p:sp>
+        <p:sp>
+          <p:nvSpPr>
+            <p:cNvPr id="44" name="Google Shape;44;p6"/>
+            <p:cNvSpPr/>
+            <p:nvPr/>
+          </p:nvSpPr>
+          <p:spPr>
+            <a:xfrm>
+              <a:off x="914400" y="2386584"/>
+              <a:ext cx="1828800" cy="91500"/>
+            </a:xfrm>
+            <a:prstGeom prst="rect">
+              <a:avLst/>
+            </a:prstGeom>
+            <a:solidFill>
+              <a:schemeClr val="accent3"/>
+            </a:solidFill>
+            <a:ln>
+              <a:noFill/>
+            </a:ln>
+          </p:spPr>
+          <p:txBody>
+            <a:bodyPr anchorCtr="0" anchor="ctr" bIns="91425" lIns="91425" spcFirstLastPara="1" rIns="91425" wrap="square" tIns="91425">
+              <a:noAutofit/>
+            </a:bodyPr>
+            <a:lstStyle/>
+            <a:p>
+              <a:pPr indent="0" lvl="0" marL="0" rtl="0" algn="l">
+                <a:spcBef>
+                  <a:spcPts val="0"/>
+                </a:spcBef>
+                <a:spcAft>
+                  <a:spcPts val="0"/>
+                </a:spcAft>
+                <a:buNone/>
+              </a:pPr>
+              <a:r>
+                <a:t/>
+              </a:r>
+              <a:endParaRPr/>
+            </a:p>
+          </p:txBody>
+        </p:sp>
+        <p:sp>
+          <p:nvSpPr>
+            <p:cNvPr id="45" name="Google Shape;45;p6"/>
+            <p:cNvSpPr/>
+            <p:nvPr/>
+          </p:nvSpPr>
+          <p:spPr>
+            <a:xfrm>
+              <a:off x="2743200" y="2386584"/>
+              <a:ext cx="6400800" cy="91500"/>
+            </a:xfrm>
+            <a:prstGeom prst="rect">
+              <a:avLst/>
+            </a:prstGeom>
+            <a:solidFill>
+              <a:schemeClr val="accent4"/>
+            </a:solidFill>
+            <a:ln>
+              <a:noFill/>
+            </a:ln>
+          </p:spPr>
+          <p:txBody>
+            <a:bodyPr anchorCtr="0" anchor="ctr" bIns="91425" lIns="91425" spcFirstLastPara="1" rIns="91425" wrap="square" tIns="91425">
+              <a:noAutofit/>
+            </a:bodyPr>
+            <a:lstStyle/>
+            <a:p>
+              <a:pPr indent="0" lvl="0" marL="0" rtl="0" algn="l">
+                <a:spcBef>
+                  <a:spcPts val="0"/>
+                </a:spcBef>
+                <a:spcAft>
+                  <a:spcPts val="0"/>
+                </a:spcAft>
+                <a:buNone/>
+              </a:pPr>
+              <a:r>
+                <a:t/>
+              </a:r>
+              <a:endParaRPr/>
+            </a:p>
+          </p:txBody>
+        </p:sp>
+      </p:grpSp>
     </p:spTree>
   </p:cSld>
   <p:clrMapOvr>
@@ -4210,7 +4733,7 @@
   <p:cSld name="BLANK">
     <p:spTree>
       <p:nvGrpSpPr>
-        <p:cNvPr id="31" name="Shape 31"/>
+        <p:cNvPr id="46" name="Shape 46"/>
         <p:cNvGrpSpPr/>
         <p:nvPr/>
       </p:nvGrpSpPr>
@@ -4675,8 +5198,8 @@
         </p:nvSpPr>
         <p:spPr>
           <a:xfrm>
-            <a:off x="7315209" y="4229101"/>
-            <a:ext cx="1828800" cy="914400"/>
+            <a:off x="7315202" y="4416550"/>
+            <a:ext cx="1828800" cy="731400"/>
           </a:xfrm>
           <a:prstGeom prst="rect">
             <a:avLst/>
@@ -4695,7 +5218,7 @@
               <a:buNone/>
               <a:defRPr b="1" sz="2400">
                 <a:solidFill>
-                  <a:schemeClr val="dk1"/>
+                  <a:schemeClr val="dk2"/>
                 </a:solidFill>
               </a:defRPr>
             </a:lvl1pPr>
@@ -4703,7 +5226,7 @@
               <a:buNone/>
               <a:defRPr b="1" sz="2400">
                 <a:solidFill>
-                  <a:schemeClr val="dk1"/>
+                  <a:schemeClr val="dk2"/>
                 </a:solidFill>
               </a:defRPr>
             </a:lvl2pPr>
@@ -4711,7 +5234,7 @@
               <a:buNone/>
               <a:defRPr b="1" sz="2400">
                 <a:solidFill>
-                  <a:schemeClr val="dk1"/>
+                  <a:schemeClr val="dk2"/>
                 </a:solidFill>
               </a:defRPr>
             </a:lvl3pPr>
@@ -4719,7 +5242,7 @@
               <a:buNone/>
               <a:defRPr b="1" sz="2400">
                 <a:solidFill>
-                  <a:schemeClr val="dk1"/>
+                  <a:schemeClr val="dk2"/>
                 </a:solidFill>
               </a:defRPr>
             </a:lvl4pPr>
@@ -4727,7 +5250,7 @@
               <a:buNone/>
               <a:defRPr b="1" sz="2400">
                 <a:solidFill>
-                  <a:schemeClr val="dk1"/>
+                  <a:schemeClr val="dk2"/>
                 </a:solidFill>
               </a:defRPr>
             </a:lvl5pPr>
@@ -4735,7 +5258,7 @@
               <a:buNone/>
               <a:defRPr b="1" sz="2400">
                 <a:solidFill>
-                  <a:schemeClr val="dk1"/>
+                  <a:schemeClr val="dk2"/>
                 </a:solidFill>
               </a:defRPr>
             </a:lvl6pPr>
@@ -4743,7 +5266,7 @@
               <a:buNone/>
               <a:defRPr b="1" sz="2400">
                 <a:solidFill>
-                  <a:schemeClr val="dk1"/>
+                  <a:schemeClr val="dk2"/>
                 </a:solidFill>
               </a:defRPr>
             </a:lvl7pPr>
@@ -4751,7 +5274,7 @@
               <a:buNone/>
               <a:defRPr b="1" sz="2400">
                 <a:solidFill>
-                  <a:schemeClr val="dk1"/>
+                  <a:schemeClr val="dk2"/>
                 </a:solidFill>
               </a:defRPr>
             </a:lvl8pPr>
@@ -4759,7 +5282,7 @@
               <a:buNone/>
               <a:defRPr b="1" sz="2400">
                 <a:solidFill>
-                  <a:schemeClr val="dk1"/>
+                  <a:schemeClr val="dk2"/>
                 </a:solidFill>
               </a:defRPr>
             </a:lvl9pPr>
@@ -4791,19 +5314,19 @@
               <a:buNone/>
             </a:pPr>
             <a:r>
-              <a:rPr b="0" lang="en" sz="1000" u="sng">
+              <a:rPr b="0" lang="en" sz="900" u="sng">
                 <a:solidFill>
                   <a:schemeClr val="hlink"/>
                 </a:solidFill>
                 <a:hlinkClick r:id="rId1"/>
               </a:rPr>
-              <a:t>https://profriehle.com</a:t>
-            </a:r>
-            <a:r>
-              <a:rPr b="0" lang="en" sz="1000"/>
-              <a:t>  </a:t>
-            </a:r>
-            <a:endParaRPr b="0" sz="1000"/>
+              <a:t>https://oss.cs.fau.de</a:t>
+            </a:r>
+            <a:r>
+              <a:rPr b="0" lang="en" sz="900"/>
+              <a:t> </a:t>
+            </a:r>
+            <a:endParaRPr b="0" sz="900"/>
           </a:p>
         </p:txBody>
       </p:sp>
@@ -5516,7 +6039,7 @@
   <p:cSld>
     <p:spTree>
       <p:nvGrpSpPr>
-        <p:cNvPr id="35" name="Shape 35"/>
+        <p:cNvPr id="50" name="Shape 50"/>
         <p:cNvGrpSpPr/>
         <p:nvPr/>
       </p:nvGrpSpPr>
@@ -5530,7 +6053,119 @@
       </p:grpSpPr>
       <p:sp>
         <p:nvSpPr>
-          <p:cNvPr id="36" name="Google Shape;36;p8"/>
+          <p:cNvPr id="51" name="Google Shape;51;p8"/>
+          <p:cNvSpPr txBox="1"/>
+          <p:nvPr>
+            <p:ph idx="1" type="subTitle"/>
+          </p:nvPr>
+        </p:nvSpPr>
+        <p:spPr>
+          <a:xfrm>
+            <a:off x="0" y="2569475"/>
+            <a:ext cx="9144000" cy="2574000"/>
+          </a:xfrm>
+          <a:prstGeom prst="rect">
+            <a:avLst/>
+          </a:prstGeom>
+        </p:spPr>
+        <p:txBody>
+          <a:bodyPr anchorCtr="0" anchor="t" bIns="91425" lIns="91425" spcFirstLastPara="1" rIns="91425" wrap="square" tIns="274300">
+            <a:noAutofit/>
+          </a:bodyPr>
+          <a:lstStyle/>
+          <a:p>
+            <a:pPr indent="0" lvl="0" marL="0" rtl="0" algn="ctr">
+              <a:spcBef>
+                <a:spcPts val="0"/>
+              </a:spcBef>
+              <a:spcAft>
+                <a:spcPts val="0"/>
+              </a:spcAft>
+              <a:buNone/>
+            </a:pPr>
+            <a:r>
+              <a:rPr lang="en"/>
+              <a:t>Professorship for Open-Source Software</a:t>
+            </a:r>
+            <a:endParaRPr/>
+          </a:p>
+          <a:p>
+            <a:pPr indent="0" lvl="0" marL="0" rtl="0" algn="ctr">
+              <a:spcBef>
+                <a:spcPts val="0"/>
+              </a:spcBef>
+              <a:spcAft>
+                <a:spcPts val="0"/>
+              </a:spcAft>
+              <a:buNone/>
+            </a:pPr>
+            <a:r>
+              <a:rPr lang="en"/>
+              <a:t>FAU Erlangen-Nürnberg</a:t>
+            </a:r>
+            <a:endParaRPr/>
+          </a:p>
+          <a:p>
+            <a:pPr indent="0" lvl="0" marL="0" rtl="0" algn="ctr">
+              <a:spcBef>
+                <a:spcPts val="0"/>
+              </a:spcBef>
+              <a:spcAft>
+                <a:spcPts val="0"/>
+              </a:spcAft>
+              <a:buNone/>
+            </a:pPr>
+            <a:r>
+              <a:t/>
+            </a:r>
+            <a:endParaRPr sz="1800"/>
+          </a:p>
+          <a:p>
+            <a:pPr indent="0" lvl="0" marL="0" rtl="0" algn="ctr">
+              <a:spcBef>
+                <a:spcPts val="0"/>
+              </a:spcBef>
+              <a:spcAft>
+                <a:spcPts val="0"/>
+              </a:spcAft>
+              <a:buNone/>
+            </a:pPr>
+            <a:r>
+              <a:rPr b="1" lang="en"/>
+              <a:t>ADAP A03</a:t>
+            </a:r>
+            <a:endParaRPr b="1"/>
+          </a:p>
+          <a:p>
+            <a:pPr indent="0" lvl="0" marL="0" rtl="0" algn="ctr">
+              <a:spcBef>
+                <a:spcPts val="0"/>
+              </a:spcBef>
+              <a:spcAft>
+                <a:spcPts val="0"/>
+              </a:spcAft>
+              <a:buNone/>
+            </a:pPr>
+            <a:r>
+              <a:rPr lang="en" sz="1800"/>
+              <a:t>Licensed under </a:t>
+            </a:r>
+            <a:r>
+              <a:rPr lang="en" sz="1800" u="sng">
+                <a:solidFill>
+                  <a:schemeClr val="hlink"/>
+                </a:solidFill>
+                <a:hlinkClick r:id="rId3"/>
+              </a:rPr>
+              <a:t>CC BY 4.0 International</a:t>
+            </a:r>
+            <a:endParaRPr sz="1800"/>
+          </a:p>
+        </p:txBody>
+      </p:sp>
+      <p:sp>
+        <p:nvSpPr>
+          <p:cNvPr id="52" name="Google Shape;52;p8"/>
           <p:cNvSpPr txBox="1"/>
           <p:nvPr>
             <p:ph type="ctrTitle"/>
@@ -5569,106 +6204,6 @@
               <a:t> Setup</a:t>
             </a:r>
             <a:endParaRPr/>
-          </a:p>
-        </p:txBody>
-      </p:sp>
-      <p:sp>
-        <p:nvSpPr>
-          <p:cNvPr id="37" name="Google Shape;37;p8"/>
-          <p:cNvSpPr txBox="1"/>
-          <p:nvPr>
-            <p:ph idx="1" type="subTitle"/>
-          </p:nvPr>
-        </p:nvSpPr>
-        <p:spPr>
-          <a:xfrm>
-            <a:off x="0" y="2569475"/>
-            <a:ext cx="9144000" cy="2574000"/>
-          </a:xfrm>
-          <a:prstGeom prst="rect">
-            <a:avLst/>
-          </a:prstGeom>
-        </p:spPr>
-        <p:txBody>
-          <a:bodyPr anchorCtr="0" anchor="t" bIns="91425" lIns="91425" spcFirstLastPara="1" rIns="91425" wrap="square" tIns="274300">
-            <a:noAutofit/>
-          </a:bodyPr>
-          <a:lstStyle/>
-          <a:p>
-            <a:pPr indent="0" lvl="0" marL="0" rtl="0" algn="ctr">
-              <a:spcBef>
-                <a:spcPts val="0"/>
-              </a:spcBef>
-              <a:spcAft>
-                <a:spcPts val="0"/>
-              </a:spcAft>
-              <a:buNone/>
-            </a:pPr>
-            <a:r>
-              <a:rPr lang="en"/>
-              <a:t>Johannes Jablonski</a:t>
-            </a:r>
-            <a:r>
-              <a:rPr lang="en"/>
-              <a:t>, FAU Erlangen</a:t>
-            </a:r>
-            <a:endParaRPr/>
-          </a:p>
-          <a:p>
-            <a:pPr indent="0" lvl="0" marL="0" rtl="0" algn="ctr">
-              <a:spcBef>
-                <a:spcPts val="0"/>
-              </a:spcBef>
-              <a:spcAft>
-                <a:spcPts val="0"/>
-              </a:spcAft>
-              <a:buNone/>
-            </a:pPr>
-            <a:r>
-              <a:t/>
-            </a:r>
-            <a:endParaRPr/>
-          </a:p>
-          <a:p>
-            <a:pPr indent="0" lvl="0" marL="0" rtl="0" algn="ctr">
-              <a:spcBef>
-                <a:spcPts val="0"/>
-              </a:spcBef>
-              <a:spcAft>
-                <a:spcPts val="0"/>
-              </a:spcAft>
-              <a:buNone/>
-            </a:pPr>
-            <a:r>
-              <a:rPr b="1" lang="en"/>
-              <a:t>ADAP A03</a:t>
-            </a:r>
-            <a:endParaRPr b="1"/>
-          </a:p>
-          <a:p>
-            <a:pPr indent="0" lvl="0" marL="0" rtl="0" algn="ctr">
-              <a:spcBef>
-                <a:spcPts val="0"/>
-              </a:spcBef>
-              <a:spcAft>
-                <a:spcPts val="0"/>
-              </a:spcAft>
-              <a:buNone/>
-            </a:pPr>
-            <a:r>
-              <a:rPr lang="en" sz="1800"/>
-              <a:t>Licensed under </a:t>
-            </a:r>
-            <a:r>
-              <a:rPr lang="en" sz="1800" u="sng">
-                <a:solidFill>
-                  <a:schemeClr val="hlink"/>
-                </a:solidFill>
-                <a:hlinkClick r:id="rId3"/>
-              </a:rPr>
-              <a:t>CC BY 4.0 International</a:t>
-            </a:r>
-            <a:endParaRPr sz="1800"/>
           </a:p>
         </p:txBody>
       </p:sp>
@@ -5685,7 +6220,7 @@
   <p:cSld>
     <p:spTree>
       <p:nvGrpSpPr>
-        <p:cNvPr id="113" name="Shape 113"/>
+        <p:cNvPr id="128" name="Shape 128"/>
         <p:cNvGrpSpPr/>
         <p:nvPr/>
       </p:nvGrpSpPr>
@@ -5699,7 +6234,7 @@
       </p:grpSpPr>
       <p:sp>
         <p:nvSpPr>
-          <p:cNvPr id="114" name="Google Shape;114;p17"/>
+          <p:cNvPr id="129" name="Google Shape;129;p17"/>
           <p:cNvSpPr txBox="1"/>
           <p:nvPr>
             <p:ph type="title"/>
@@ -5739,7 +6274,7 @@
       </p:sp>
       <p:sp>
         <p:nvSpPr>
-          <p:cNvPr id="115" name="Google Shape;115;p17"/>
+          <p:cNvPr id="130" name="Google Shape;130;p17"/>
           <p:cNvSpPr txBox="1"/>
           <p:nvPr>
             <p:ph idx="1" type="body"/>
@@ -5894,7 +6429,7 @@
       </p:sp>
       <p:sp>
         <p:nvSpPr>
-          <p:cNvPr id="116" name="Google Shape;116;p17"/>
+          <p:cNvPr id="131" name="Google Shape;131;p17"/>
           <p:cNvSpPr txBox="1"/>
           <p:nvPr>
             <p:ph idx="12" type="sldNum"/>
@@ -5902,8 +6437,8 @@
         </p:nvSpPr>
         <p:spPr>
           <a:xfrm>
-            <a:off x="7315209" y="4229101"/>
-            <a:ext cx="1828800" cy="914400"/>
+            <a:off x="7315202" y="4416550"/>
+            <a:ext cx="1828800" cy="731400"/>
           </a:xfrm>
           <a:prstGeom prst="rect">
             <a:avLst/>
@@ -5941,15 +6476,27 @@
               <a:buNone/>
             </a:pPr>
             <a:r>
-              <a:rPr b="0" lang="en" sz="1000" u="sng">
+              <a:rPr b="0" lang="en" sz="900" u="sng">
                 <a:solidFill>
                   <a:schemeClr val="hlink"/>
                 </a:solidFill>
                 <a:hlinkClick r:id="rId7"/>
               </a:rPr>
-              <a:t>https://profriehle.com</a:t>
-            </a:r>
-            <a:endParaRPr b="0" sz="1000"/>
+              <a:t>https://oss.cs.fau.de</a:t>
+            </a:r>
+            <a:r>
+              <a:rPr b="0" lang="en" sz="900">
+                <a:solidFill>
+                  <a:schemeClr val="dk2"/>
+                </a:solidFill>
+              </a:rPr>
+              <a:t> </a:t>
+            </a:r>
+            <a:endParaRPr b="0" sz="900">
+              <a:solidFill>
+                <a:schemeClr val="dk2"/>
+              </a:solidFill>
+            </a:endParaRPr>
           </a:p>
         </p:txBody>
       </p:sp>
@@ -5966,7 +6513,7 @@
   <p:cSld>
     <p:spTree>
       <p:nvGrpSpPr>
-        <p:cNvPr id="120" name="Shape 120"/>
+        <p:cNvPr id="135" name="Shape 135"/>
         <p:cNvGrpSpPr/>
         <p:nvPr/>
       </p:nvGrpSpPr>
@@ -5980,7 +6527,7 @@
       </p:grpSpPr>
       <p:sp>
         <p:nvSpPr>
-          <p:cNvPr id="121" name="Google Shape;121;p18"/>
+          <p:cNvPr id="136" name="Google Shape;136;p18"/>
           <p:cNvSpPr txBox="1"/>
           <p:nvPr>
             <p:ph type="title"/>
@@ -6020,7 +6567,7 @@
       </p:sp>
       <p:sp>
         <p:nvSpPr>
-          <p:cNvPr id="122" name="Google Shape;122;p18"/>
+          <p:cNvPr id="137" name="Google Shape;137;p18"/>
           <p:cNvSpPr txBox="1"/>
           <p:nvPr>
             <p:ph idx="1" type="body"/>
@@ -6127,7 +6674,7 @@
       </p:sp>
       <p:sp>
         <p:nvSpPr>
-          <p:cNvPr id="123" name="Google Shape;123;p18"/>
+          <p:cNvPr id="138" name="Google Shape;138;p18"/>
           <p:cNvSpPr txBox="1"/>
           <p:nvPr>
             <p:ph idx="12" type="sldNum"/>
@@ -6135,8 +6682,8 @@
         </p:nvSpPr>
         <p:spPr>
           <a:xfrm>
-            <a:off x="7315209" y="4229101"/>
-            <a:ext cx="1828800" cy="914400"/>
+            <a:off x="7315202" y="4416550"/>
+            <a:ext cx="1828800" cy="731400"/>
           </a:xfrm>
           <a:prstGeom prst="rect">
             <a:avLst/>
@@ -6171,23 +6718,30 @@
               <a:spcAft>
                 <a:spcPts val="0"/>
               </a:spcAft>
-              <a:buClr>
-                <a:schemeClr val="dk1"/>
-              </a:buClr>
-              <a:buSzPts val="1100"/>
-              <a:buFont typeface="Arial"/>
-              <a:buNone/>
-            </a:pPr>
-            <a:r>
-              <a:rPr b="0" lang="en" sz="1000" u="sng">
+              <a:buNone/>
+            </a:pPr>
+            <a:r>
+              <a:rPr b="0" lang="en" sz="900" u="sng">
                 <a:solidFill>
                   <a:schemeClr val="hlink"/>
                 </a:solidFill>
                 <a:hlinkClick r:id="rId3"/>
               </a:rPr>
-              <a:t>https://profriehle.com</a:t>
-            </a:r>
-            <a:endParaRPr b="0" sz="1000"/>
+              <a:t>https://oss.cs.fau.de</a:t>
+            </a:r>
+            <a:r>
+              <a:rPr b="0" lang="en" sz="900">
+                <a:solidFill>
+                  <a:schemeClr val="dk2"/>
+                </a:solidFill>
+              </a:rPr>
+              <a:t> </a:t>
+            </a:r>
+            <a:endParaRPr b="0" sz="900">
+              <a:solidFill>
+                <a:schemeClr val="dk2"/>
+              </a:solidFill>
+            </a:endParaRPr>
           </a:p>
         </p:txBody>
       </p:sp>
@@ -6204,7 +6758,7 @@
   <p:cSld>
     <p:spTree>
       <p:nvGrpSpPr>
-        <p:cNvPr id="127" name="Shape 127"/>
+        <p:cNvPr id="142" name="Shape 142"/>
         <p:cNvGrpSpPr/>
         <p:nvPr/>
       </p:nvGrpSpPr>
@@ -6218,7 +6772,7 @@
       </p:grpSpPr>
       <p:sp>
         <p:nvSpPr>
-          <p:cNvPr id="128" name="Google Shape;128;p19"/>
+          <p:cNvPr id="143" name="Google Shape;143;p19"/>
           <p:cNvSpPr txBox="1"/>
           <p:nvPr>
             <p:ph type="ctrTitle"/>
@@ -6258,7 +6812,7 @@
       </p:sp>
       <p:sp>
         <p:nvSpPr>
-          <p:cNvPr id="129" name="Google Shape;129;p19"/>
+          <p:cNvPr id="144" name="Google Shape;144;p19"/>
           <p:cNvSpPr txBox="1"/>
           <p:nvPr>
             <p:ph idx="1" type="subTitle"/>
@@ -6300,18 +6854,21 @@
               </a:rPr>
               <a:t>adap-team@group.riehle.org</a:t>
             </a:r>
-            <a:r>
-              <a:rPr lang="en"/>
-              <a:t> </a:t>
-            </a:r>
-            <a:r>
-              <a:rPr lang="en" sz="2400"/>
-              <a:t>–</a:t>
-            </a:r>
-            <a:r>
-              <a:rPr lang="en"/>
-              <a:t> </a:t>
-            </a:r>
+            <a:endParaRPr/>
+          </a:p>
+          <a:p>
+            <a:pPr indent="0" lvl="0" marL="0" rtl="0" algn="ctr">
+              <a:lnSpc>
+                <a:spcPct val="150000"/>
+              </a:lnSpc>
+              <a:spcBef>
+                <a:spcPts val="0"/>
+              </a:spcBef>
+              <a:spcAft>
+                <a:spcPts val="0"/>
+              </a:spcAft>
+              <a:buNone/>
+            </a:pPr>
             <a:r>
               <a:rPr lang="en" u="sng">
                 <a:solidFill>
@@ -6338,7 +6895,7 @@
   <p:cSld>
     <p:spTree>
       <p:nvGrpSpPr>
-        <p:cNvPr id="133" name="Shape 133"/>
+        <p:cNvPr id="148" name="Shape 148"/>
         <p:cNvGrpSpPr/>
         <p:nvPr/>
       </p:nvGrpSpPr>
@@ -6352,7 +6909,7 @@
       </p:grpSpPr>
       <p:sp>
         <p:nvSpPr>
-          <p:cNvPr id="134" name="Google Shape;134;p20"/>
+          <p:cNvPr id="149" name="Google Shape;149;p20"/>
           <p:cNvSpPr txBox="1"/>
           <p:nvPr>
             <p:ph type="title"/>
@@ -6392,7 +6949,7 @@
       </p:sp>
       <p:sp>
         <p:nvSpPr>
-          <p:cNvPr id="135" name="Google Shape;135;p20"/>
+          <p:cNvPr id="150" name="Google Shape;150;p20"/>
           <p:cNvSpPr txBox="1"/>
           <p:nvPr>
             <p:ph idx="12" type="sldNum"/>
@@ -6400,8 +6957,8 @@
         </p:nvSpPr>
         <p:spPr>
           <a:xfrm>
-            <a:off x="7315209" y="4229101"/>
-            <a:ext cx="1828800" cy="914400"/>
+            <a:off x="7315202" y="4416550"/>
+            <a:ext cx="1828800" cy="731400"/>
           </a:xfrm>
           <a:prstGeom prst="rect">
             <a:avLst/>
@@ -6445,7 +7002,7 @@
                 </a:solidFill>
                 <a:hlinkClick r:id="rId3"/>
               </a:rPr>
-              <a:t>https://profriehle.com</a:t>
+              <a:t>https://oss.cs.fau.de</a:t>
             </a:r>
             <a:r>
               <a:rPr b="0" lang="en" sz="900">
@@ -6465,7 +7022,7 @@
       </p:sp>
       <p:sp>
         <p:nvSpPr>
-          <p:cNvPr id="136" name="Google Shape;136;p20"/>
+          <p:cNvPr id="151" name="Google Shape;151;p20"/>
           <p:cNvSpPr txBox="1"/>
           <p:nvPr>
             <p:ph idx="1" type="body"/>
@@ -6594,7 +7151,7 @@
   <p:cSld>
     <p:spTree>
       <p:nvGrpSpPr>
-        <p:cNvPr id="140" name="Shape 140"/>
+        <p:cNvPr id="155" name="Shape 155"/>
         <p:cNvGrpSpPr/>
         <p:nvPr/>
       </p:nvGrpSpPr>
@@ -6608,7 +7165,7 @@
       </p:grpSpPr>
       <p:sp>
         <p:nvSpPr>
-          <p:cNvPr id="141" name="Google Shape;141;p21"/>
+          <p:cNvPr id="156" name="Google Shape;156;p21"/>
           <p:cNvSpPr txBox="1"/>
           <p:nvPr>
             <p:ph type="title"/>
@@ -6656,7 +7213,7 @@
       </p:sp>
       <p:sp>
         <p:nvSpPr>
-          <p:cNvPr id="142" name="Google Shape;142;p21"/>
+          <p:cNvPr id="157" name="Google Shape;157;p21"/>
           <p:cNvSpPr txBox="1"/>
           <p:nvPr>
             <p:ph idx="1" type="body"/>
@@ -6695,7 +7252,7 @@
       </p:sp>
       <p:sp>
         <p:nvSpPr>
-          <p:cNvPr id="143" name="Google Shape;143;p21"/>
+          <p:cNvPr id="158" name="Google Shape;158;p21"/>
           <p:cNvSpPr txBox="1"/>
           <p:nvPr>
             <p:ph idx="12" type="sldNum"/>
@@ -6703,8 +7260,8 @@
         </p:nvSpPr>
         <p:spPr>
           <a:xfrm>
-            <a:off x="7315209" y="4229101"/>
-            <a:ext cx="1828800" cy="914400"/>
+            <a:off x="7315202" y="4416550"/>
+            <a:ext cx="1828800" cy="731400"/>
           </a:xfrm>
           <a:prstGeom prst="rect">
             <a:avLst/>
@@ -6742,21 +7299,33 @@
               <a:buNone/>
             </a:pPr>
             <a:r>
-              <a:rPr b="0" lang="en" sz="1000" u="sng">
+              <a:rPr b="0" lang="en" sz="900" u="sng">
                 <a:solidFill>
                   <a:schemeClr val="hlink"/>
                 </a:solidFill>
                 <a:hlinkClick r:id="rId3"/>
               </a:rPr>
-              <a:t>https://profriehle.com</a:t>
-            </a:r>
-            <a:endParaRPr b="0" sz="1000"/>
+              <a:t>https://oss.cs.fau.de</a:t>
+            </a:r>
+            <a:r>
+              <a:rPr b="0" lang="en" sz="900">
+                <a:solidFill>
+                  <a:schemeClr val="dk2"/>
+                </a:solidFill>
+              </a:rPr>
+              <a:t> </a:t>
+            </a:r>
+            <a:endParaRPr b="0" sz="900">
+              <a:solidFill>
+                <a:schemeClr val="dk2"/>
+              </a:solidFill>
+            </a:endParaRPr>
           </a:p>
         </p:txBody>
       </p:sp>
       <p:pic>
         <p:nvPicPr>
-          <p:cNvPr id="144" name="Google Shape;144;p21"/>
+          <p:cNvPr id="159" name="Google Shape;159;p21"/>
           <p:cNvPicPr preferRelativeResize="0"/>
           <p:nvPr/>
         </p:nvPicPr>
@@ -6795,7 +7364,7 @@
   <p:cSld>
     <p:spTree>
       <p:nvGrpSpPr>
-        <p:cNvPr id="148" name="Shape 148"/>
+        <p:cNvPr id="163" name="Shape 163"/>
         <p:cNvGrpSpPr/>
         <p:nvPr/>
       </p:nvGrpSpPr>
@@ -6809,7 +7378,7 @@
       </p:grpSpPr>
       <p:sp>
         <p:nvSpPr>
-          <p:cNvPr id="149" name="Google Shape;149;p22"/>
+          <p:cNvPr id="164" name="Google Shape;164;p22"/>
           <p:cNvSpPr txBox="1"/>
           <p:nvPr>
             <p:ph type="title"/>
@@ -6849,7 +7418,7 @@
       </p:sp>
       <p:sp>
         <p:nvSpPr>
-          <p:cNvPr id="150" name="Google Shape;150;p22"/>
+          <p:cNvPr id="165" name="Google Shape;165;p22"/>
           <p:cNvSpPr txBox="1"/>
           <p:nvPr>
             <p:ph idx="1" type="body"/>
@@ -6888,7 +7457,7 @@
       </p:sp>
       <p:sp>
         <p:nvSpPr>
-          <p:cNvPr id="151" name="Google Shape;151;p22"/>
+          <p:cNvPr id="166" name="Google Shape;166;p22"/>
           <p:cNvSpPr txBox="1"/>
           <p:nvPr>
             <p:ph idx="12" type="sldNum"/>
@@ -6896,8 +7465,8 @@
         </p:nvSpPr>
         <p:spPr>
           <a:xfrm>
-            <a:off x="7315209" y="4229101"/>
-            <a:ext cx="1828800" cy="914400"/>
+            <a:off x="7315202" y="4416550"/>
+            <a:ext cx="1828800" cy="731400"/>
           </a:xfrm>
           <a:prstGeom prst="rect">
             <a:avLst/>
@@ -6935,21 +7504,33 @@
               <a:buNone/>
             </a:pPr>
             <a:r>
-              <a:rPr b="0" lang="en" sz="1000" u="sng">
+              <a:rPr b="0" lang="en" sz="900" u="sng">
                 <a:solidFill>
                   <a:schemeClr val="hlink"/>
                 </a:solidFill>
                 <a:hlinkClick r:id="rId3"/>
               </a:rPr>
-              <a:t>https://profriehle.com</a:t>
-            </a:r>
-            <a:endParaRPr b="0" sz="1000"/>
+              <a:t>https://oss.cs.fau.de</a:t>
+            </a:r>
+            <a:r>
+              <a:rPr b="0" lang="en" sz="900">
+                <a:solidFill>
+                  <a:schemeClr val="dk2"/>
+                </a:solidFill>
+              </a:rPr>
+              <a:t> </a:t>
+            </a:r>
+            <a:endParaRPr b="0" sz="900">
+              <a:solidFill>
+                <a:schemeClr val="dk2"/>
+              </a:solidFill>
+            </a:endParaRPr>
           </a:p>
         </p:txBody>
       </p:sp>
       <p:pic>
         <p:nvPicPr>
-          <p:cNvPr id="152" name="Google Shape;152;p22"/>
+          <p:cNvPr id="167" name="Google Shape;167;p22"/>
           <p:cNvPicPr preferRelativeResize="0"/>
           <p:nvPr/>
         </p:nvPicPr>
@@ -6987,7 +7568,7 @@
   <p:cSld>
     <p:spTree>
       <p:nvGrpSpPr>
-        <p:cNvPr id="156" name="Shape 156"/>
+        <p:cNvPr id="171" name="Shape 171"/>
         <p:cNvGrpSpPr/>
         <p:nvPr/>
       </p:nvGrpSpPr>
@@ -7001,7 +7582,7 @@
       </p:grpSpPr>
       <p:sp>
         <p:nvSpPr>
-          <p:cNvPr id="157" name="Google Shape;157;p23"/>
+          <p:cNvPr id="172" name="Google Shape;172;p23"/>
           <p:cNvSpPr txBox="1"/>
           <p:nvPr>
             <p:ph type="title"/>
@@ -7041,7 +7622,7 @@
       </p:sp>
       <p:sp>
         <p:nvSpPr>
-          <p:cNvPr id="158" name="Google Shape;158;p23"/>
+          <p:cNvPr id="173" name="Google Shape;173;p23"/>
           <p:cNvSpPr txBox="1"/>
           <p:nvPr>
             <p:ph idx="1" type="body"/>
@@ -7080,7 +7661,7 @@
       </p:sp>
       <p:sp>
         <p:nvSpPr>
-          <p:cNvPr id="159" name="Google Shape;159;p23"/>
+          <p:cNvPr id="174" name="Google Shape;174;p23"/>
           <p:cNvSpPr txBox="1"/>
           <p:nvPr>
             <p:ph idx="12" type="sldNum"/>
@@ -7088,8 +7669,8 @@
         </p:nvSpPr>
         <p:spPr>
           <a:xfrm>
-            <a:off x="7315209" y="4229101"/>
-            <a:ext cx="1828800" cy="914400"/>
+            <a:off x="7315202" y="4416550"/>
+            <a:ext cx="1828800" cy="731400"/>
           </a:xfrm>
           <a:prstGeom prst="rect">
             <a:avLst/>
@@ -7127,21 +7708,33 @@
               <a:buNone/>
             </a:pPr>
             <a:r>
-              <a:rPr b="0" lang="en" sz="1000" u="sng">
+              <a:rPr b="0" lang="en" sz="900" u="sng">
                 <a:solidFill>
                   <a:schemeClr val="hlink"/>
                 </a:solidFill>
                 <a:hlinkClick r:id="rId3"/>
               </a:rPr>
-              <a:t>https://profriehle.com</a:t>
-            </a:r>
-            <a:endParaRPr b="0" sz="1000"/>
+              <a:t>https://oss.cs.fau.de</a:t>
+            </a:r>
+            <a:r>
+              <a:rPr b="0" lang="en" sz="900">
+                <a:solidFill>
+                  <a:schemeClr val="dk2"/>
+                </a:solidFill>
+              </a:rPr>
+              <a:t> </a:t>
+            </a:r>
+            <a:endParaRPr b="0" sz="900">
+              <a:solidFill>
+                <a:schemeClr val="dk2"/>
+              </a:solidFill>
+            </a:endParaRPr>
           </a:p>
         </p:txBody>
       </p:sp>
       <p:pic>
         <p:nvPicPr>
-          <p:cNvPr id="160" name="Google Shape;160;p23"/>
+          <p:cNvPr id="175" name="Google Shape;175;p23"/>
           <p:cNvPicPr preferRelativeResize="0"/>
           <p:nvPr/>
         </p:nvPicPr>
@@ -7179,7 +7772,7 @@
   <p:cSld>
     <p:spTree>
       <p:nvGrpSpPr>
-        <p:cNvPr id="41" name="Shape 41"/>
+        <p:cNvPr id="56" name="Shape 56"/>
         <p:cNvGrpSpPr/>
         <p:nvPr/>
       </p:nvGrpSpPr>
@@ -7193,7 +7786,7 @@
       </p:grpSpPr>
       <p:sp>
         <p:nvSpPr>
-          <p:cNvPr id="42" name="Google Shape;42;p9"/>
+          <p:cNvPr id="57" name="Google Shape;57;p9"/>
           <p:cNvSpPr txBox="1"/>
           <p:nvPr>
             <p:ph idx="1" type="body"/>
@@ -7285,7 +7878,7 @@
       </p:sp>
       <p:sp>
         <p:nvSpPr>
-          <p:cNvPr id="43" name="Google Shape;43;p9"/>
+          <p:cNvPr id="58" name="Google Shape;58;p9"/>
           <p:cNvSpPr txBox="1"/>
           <p:nvPr>
             <p:ph type="title"/>
@@ -7325,7 +7918,7 @@
       </p:sp>
       <p:sp>
         <p:nvSpPr>
-          <p:cNvPr id="44" name="Google Shape;44;p9"/>
+          <p:cNvPr id="59" name="Google Shape;59;p9"/>
           <p:cNvSpPr txBox="1"/>
           <p:nvPr>
             <p:ph idx="12" type="sldNum"/>
@@ -7333,8 +7926,8 @@
         </p:nvSpPr>
         <p:spPr>
           <a:xfrm>
-            <a:off x="7315209" y="4229101"/>
-            <a:ext cx="1828800" cy="914400"/>
+            <a:off x="7315202" y="4416550"/>
+            <a:ext cx="1828800" cy="731400"/>
           </a:xfrm>
           <a:prstGeom prst="rect">
             <a:avLst/>
@@ -7372,15 +7965,27 @@
               <a:buNone/>
             </a:pPr>
             <a:r>
-              <a:rPr b="0" lang="en" sz="1000" u="sng">
+              <a:rPr b="0" lang="en" sz="900" u="sng">
                 <a:solidFill>
                   <a:schemeClr val="hlink"/>
                 </a:solidFill>
                 <a:hlinkClick r:id="rId3"/>
               </a:rPr>
-              <a:t>https://profriehle.com</a:t>
-            </a:r>
-            <a:endParaRPr b="0" sz="1000"/>
+              <a:t>https://oss.cs.fau.de</a:t>
+            </a:r>
+            <a:r>
+              <a:rPr b="0" lang="en" sz="900">
+                <a:solidFill>
+                  <a:schemeClr val="dk2"/>
+                </a:solidFill>
+              </a:rPr>
+              <a:t> </a:t>
+            </a:r>
+            <a:endParaRPr b="0" sz="900">
+              <a:solidFill>
+                <a:schemeClr val="dk2"/>
+              </a:solidFill>
+            </a:endParaRPr>
           </a:p>
         </p:txBody>
       </p:sp>
@@ -7397,7 +8002,7 @@
   <p:cSld>
     <p:spTree>
       <p:nvGrpSpPr>
-        <p:cNvPr id="48" name="Shape 48"/>
+        <p:cNvPr id="63" name="Shape 63"/>
         <p:cNvGrpSpPr/>
         <p:nvPr/>
       </p:nvGrpSpPr>
@@ -7411,7 +8016,7 @@
       </p:grpSpPr>
       <p:sp>
         <p:nvSpPr>
-          <p:cNvPr id="49" name="Google Shape;49;p10"/>
+          <p:cNvPr id="64" name="Google Shape;64;p10"/>
           <p:cNvSpPr txBox="1"/>
           <p:nvPr>
             <p:ph idx="1" type="body"/>
@@ -7520,7 +8125,7 @@
       </p:sp>
       <p:sp>
         <p:nvSpPr>
-          <p:cNvPr id="50" name="Google Shape;50;p10"/>
+          <p:cNvPr id="65" name="Google Shape;65;p10"/>
           <p:cNvSpPr txBox="1"/>
           <p:nvPr>
             <p:ph type="title"/>
@@ -7560,7 +8165,7 @@
       </p:sp>
       <p:sp>
         <p:nvSpPr>
-          <p:cNvPr id="51" name="Google Shape;51;p10"/>
+          <p:cNvPr id="66" name="Google Shape;66;p10"/>
           <p:cNvSpPr txBox="1"/>
           <p:nvPr>
             <p:ph idx="12" type="sldNum"/>
@@ -7568,8 +8173,8 @@
         </p:nvSpPr>
         <p:spPr>
           <a:xfrm>
-            <a:off x="7315209" y="4229101"/>
-            <a:ext cx="1828800" cy="914400"/>
+            <a:off x="7315202" y="4416550"/>
+            <a:ext cx="1828800" cy="731400"/>
           </a:xfrm>
           <a:prstGeom prst="rect">
             <a:avLst/>
@@ -7607,21 +8212,33 @@
               <a:buNone/>
             </a:pPr>
             <a:r>
-              <a:rPr b="0" lang="en" sz="1000" u="sng">
+              <a:rPr b="0" lang="en" sz="900" u="sng">
                 <a:solidFill>
                   <a:schemeClr val="hlink"/>
                 </a:solidFill>
                 <a:hlinkClick r:id="rId3"/>
               </a:rPr>
-              <a:t>https://profriehle.com</a:t>
-            </a:r>
-            <a:endParaRPr b="0" sz="1000"/>
+              <a:t>https://oss.cs.fau.de</a:t>
+            </a:r>
+            <a:r>
+              <a:rPr b="0" lang="en" sz="900">
+                <a:solidFill>
+                  <a:schemeClr val="dk2"/>
+                </a:solidFill>
+              </a:rPr>
+              <a:t> </a:t>
+            </a:r>
+            <a:endParaRPr b="0" sz="900">
+              <a:solidFill>
+                <a:schemeClr val="dk2"/>
+              </a:solidFill>
+            </a:endParaRPr>
           </a:p>
         </p:txBody>
       </p:sp>
       <p:sp>
         <p:nvSpPr>
-          <p:cNvPr id="52" name="Google Shape;52;p10"/>
+          <p:cNvPr id="67" name="Google Shape;67;p10"/>
           <p:cNvSpPr txBox="1"/>
           <p:nvPr/>
         </p:nvSpPr>
@@ -7677,7 +8294,7 @@
       </p:sp>
       <p:sp>
         <p:nvSpPr>
-          <p:cNvPr id="53" name="Google Shape;53;p10"/>
+          <p:cNvPr id="68" name="Google Shape;68;p10"/>
           <p:cNvSpPr txBox="1"/>
           <p:nvPr/>
         </p:nvSpPr>
@@ -7733,7 +8350,7 @@
       </p:sp>
       <p:sp>
         <p:nvSpPr>
-          <p:cNvPr id="54" name="Google Shape;54;p10"/>
+          <p:cNvPr id="69" name="Google Shape;69;p10"/>
           <p:cNvSpPr txBox="1"/>
           <p:nvPr/>
         </p:nvSpPr>
@@ -7789,7 +8406,7 @@
       </p:sp>
       <p:sp>
         <p:nvSpPr>
-          <p:cNvPr id="55" name="Google Shape;55;p10"/>
+          <p:cNvPr id="70" name="Google Shape;70;p10"/>
           <p:cNvSpPr txBox="1"/>
           <p:nvPr/>
         </p:nvSpPr>
@@ -7845,7 +8462,7 @@
       </p:sp>
       <p:sp>
         <p:nvSpPr>
-          <p:cNvPr id="56" name="Google Shape;56;p10"/>
+          <p:cNvPr id="71" name="Google Shape;71;p10"/>
           <p:cNvSpPr txBox="1"/>
           <p:nvPr/>
         </p:nvSpPr>
@@ -7901,7 +8518,7 @@
       </p:sp>
       <p:sp>
         <p:nvSpPr>
-          <p:cNvPr id="57" name="Google Shape;57;p10"/>
+          <p:cNvPr id="72" name="Google Shape;72;p10"/>
           <p:cNvSpPr txBox="1"/>
           <p:nvPr/>
         </p:nvSpPr>
@@ -7957,7 +8574,7 @@
       </p:sp>
       <p:sp>
         <p:nvSpPr>
-          <p:cNvPr id="58" name="Google Shape;58;p10"/>
+          <p:cNvPr id="73" name="Google Shape;73;p10"/>
           <p:cNvSpPr txBox="1"/>
           <p:nvPr/>
         </p:nvSpPr>
@@ -8013,7 +8630,7 @@
       </p:sp>
       <p:sp>
         <p:nvSpPr>
-          <p:cNvPr id="59" name="Google Shape;59;p10"/>
+          <p:cNvPr id="74" name="Google Shape;74;p10"/>
           <p:cNvSpPr txBox="1"/>
           <p:nvPr/>
         </p:nvSpPr>
@@ -8063,10 +8680,10 @@
       </p:sp>
       <p:cxnSp>
         <p:nvCxnSpPr>
-          <p:cNvPr id="60" name="Google Shape;60;p10"/>
+          <p:cNvPr id="75" name="Google Shape;75;p10"/>
           <p:cNvCxnSpPr>
-            <a:stCxn id="59" idx="2"/>
-            <a:endCxn id="52" idx="0"/>
+            <a:stCxn id="74" idx="2"/>
+            <a:endCxn id="67" idx="0"/>
           </p:cNvCxnSpPr>
           <p:nvPr/>
         </p:nvCxnSpPr>
@@ -8094,10 +8711,10 @@
       </p:cxnSp>
       <p:cxnSp>
         <p:nvCxnSpPr>
-          <p:cNvPr id="61" name="Google Shape;61;p10"/>
+          <p:cNvPr id="76" name="Google Shape;76;p10"/>
           <p:cNvCxnSpPr>
-            <a:stCxn id="59" idx="2"/>
-            <a:endCxn id="54" idx="0"/>
+            <a:stCxn id="74" idx="2"/>
+            <a:endCxn id="69" idx="0"/>
           </p:cNvCxnSpPr>
           <p:nvPr/>
         </p:nvCxnSpPr>
@@ -8125,10 +8742,10 @@
       </p:cxnSp>
       <p:cxnSp>
         <p:nvCxnSpPr>
-          <p:cNvPr id="62" name="Google Shape;62;p10"/>
+          <p:cNvPr id="77" name="Google Shape;77;p10"/>
           <p:cNvCxnSpPr>
-            <a:stCxn id="59" idx="2"/>
-            <a:endCxn id="56" idx="0"/>
+            <a:stCxn id="74" idx="2"/>
+            <a:endCxn id="71" idx="0"/>
           </p:cNvCxnSpPr>
           <p:nvPr/>
         </p:nvCxnSpPr>
@@ -8156,10 +8773,10 @@
       </p:cxnSp>
       <p:cxnSp>
         <p:nvCxnSpPr>
-          <p:cNvPr id="63" name="Google Shape;63;p10"/>
+          <p:cNvPr id="78" name="Google Shape;78;p10"/>
           <p:cNvCxnSpPr>
-            <a:stCxn id="59" idx="2"/>
-            <a:endCxn id="58" idx="0"/>
+            <a:stCxn id="74" idx="2"/>
+            <a:endCxn id="73" idx="0"/>
           </p:cNvCxnSpPr>
           <p:nvPr/>
         </p:nvCxnSpPr>
@@ -8187,7 +8804,7 @@
       </p:cxnSp>
       <p:sp>
         <p:nvSpPr>
-          <p:cNvPr id="64" name="Google Shape;64;p10"/>
+          <p:cNvPr id="79" name="Google Shape;79;p10"/>
           <p:cNvSpPr txBox="1"/>
           <p:nvPr/>
         </p:nvSpPr>
@@ -8237,10 +8854,10 @@
       </p:sp>
       <p:cxnSp>
         <p:nvCxnSpPr>
-          <p:cNvPr id="65" name="Google Shape;65;p10"/>
+          <p:cNvPr id="80" name="Google Shape;80;p10"/>
           <p:cNvCxnSpPr>
-            <a:stCxn id="64" idx="0"/>
-            <a:endCxn id="57" idx="2"/>
+            <a:stCxn id="79" idx="0"/>
+            <a:endCxn id="72" idx="2"/>
           </p:cNvCxnSpPr>
           <p:nvPr/>
         </p:nvCxnSpPr>
@@ -8268,10 +8885,10 @@
       </p:cxnSp>
       <p:cxnSp>
         <p:nvCxnSpPr>
-          <p:cNvPr id="66" name="Google Shape;66;p10"/>
+          <p:cNvPr id="81" name="Google Shape;81;p10"/>
           <p:cNvCxnSpPr>
-            <a:stCxn id="64" idx="0"/>
-            <a:endCxn id="55" idx="2"/>
+            <a:stCxn id="79" idx="0"/>
+            <a:endCxn id="70" idx="2"/>
           </p:cNvCxnSpPr>
           <p:nvPr/>
         </p:nvCxnSpPr>
@@ -8299,10 +8916,10 @@
       </p:cxnSp>
       <p:cxnSp>
         <p:nvCxnSpPr>
-          <p:cNvPr id="67" name="Google Shape;67;p10"/>
+          <p:cNvPr id="82" name="Google Shape;82;p10"/>
           <p:cNvCxnSpPr>
-            <a:stCxn id="64" idx="0"/>
-            <a:endCxn id="53" idx="2"/>
+            <a:stCxn id="79" idx="0"/>
+            <a:endCxn id="68" idx="2"/>
           </p:cNvCxnSpPr>
           <p:nvPr/>
         </p:nvCxnSpPr>
@@ -8341,7 +8958,7 @@
   <p:cSld>
     <p:spTree>
       <p:nvGrpSpPr>
-        <p:cNvPr id="71" name="Shape 71"/>
+        <p:cNvPr id="86" name="Shape 86"/>
         <p:cNvGrpSpPr/>
         <p:nvPr/>
       </p:nvGrpSpPr>
@@ -8355,7 +8972,7 @@
       </p:grpSpPr>
       <p:sp>
         <p:nvSpPr>
-          <p:cNvPr id="72" name="Google Shape;72;p11"/>
+          <p:cNvPr id="87" name="Google Shape;87;p11"/>
           <p:cNvSpPr txBox="1"/>
           <p:nvPr>
             <p:ph type="title"/>
@@ -8395,7 +9012,7 @@
       </p:sp>
       <p:sp>
         <p:nvSpPr>
-          <p:cNvPr id="73" name="Google Shape;73;p11"/>
+          <p:cNvPr id="88" name="Google Shape;88;p11"/>
           <p:cNvSpPr txBox="1"/>
           <p:nvPr>
             <p:ph idx="1" type="body"/>
@@ -8519,7 +9136,7 @@
       </p:sp>
       <p:sp>
         <p:nvSpPr>
-          <p:cNvPr id="74" name="Google Shape;74;p11"/>
+          <p:cNvPr id="89" name="Google Shape;89;p11"/>
           <p:cNvSpPr txBox="1"/>
           <p:nvPr>
             <p:ph idx="12" type="sldNum"/>
@@ -8527,8 +9144,8 @@
         </p:nvSpPr>
         <p:spPr>
           <a:xfrm>
-            <a:off x="7315209" y="4229101"/>
-            <a:ext cx="1828800" cy="914400"/>
+            <a:off x="7315202" y="4416550"/>
+            <a:ext cx="1828800" cy="731400"/>
           </a:xfrm>
           <a:prstGeom prst="rect">
             <a:avLst/>
@@ -8566,15 +9183,27 @@
               <a:buNone/>
             </a:pPr>
             <a:r>
-              <a:rPr b="0" lang="en" sz="1000" u="sng">
+              <a:rPr b="0" lang="en" sz="900" u="sng">
                 <a:solidFill>
                   <a:schemeClr val="hlink"/>
                 </a:solidFill>
                 <a:hlinkClick r:id="rId3"/>
               </a:rPr>
-              <a:t>https://profriehle.com</a:t>
-            </a:r>
-            <a:endParaRPr b="0" sz="1000"/>
+              <a:t>https://oss.cs.fau.de</a:t>
+            </a:r>
+            <a:r>
+              <a:rPr b="0" lang="en" sz="900">
+                <a:solidFill>
+                  <a:schemeClr val="dk2"/>
+                </a:solidFill>
+              </a:rPr>
+              <a:t> </a:t>
+            </a:r>
+            <a:endParaRPr b="0" sz="900">
+              <a:solidFill>
+                <a:schemeClr val="dk2"/>
+              </a:solidFill>
+            </a:endParaRPr>
           </a:p>
         </p:txBody>
       </p:sp>
@@ -8591,7 +9220,7 @@
   <p:cSld>
     <p:spTree>
       <p:nvGrpSpPr>
-        <p:cNvPr id="78" name="Shape 78"/>
+        <p:cNvPr id="93" name="Shape 93"/>
         <p:cNvGrpSpPr/>
         <p:nvPr/>
       </p:nvGrpSpPr>
@@ -8605,7 +9234,7 @@
       </p:grpSpPr>
       <p:sp>
         <p:nvSpPr>
-          <p:cNvPr id="79" name="Google Shape;79;p12"/>
+          <p:cNvPr id="94" name="Google Shape;94;p12"/>
           <p:cNvSpPr txBox="1"/>
           <p:nvPr>
             <p:ph type="title"/>
@@ -8645,7 +9274,7 @@
       </p:sp>
       <p:sp>
         <p:nvSpPr>
-          <p:cNvPr id="80" name="Google Shape;80;p12"/>
+          <p:cNvPr id="95" name="Google Shape;95;p12"/>
           <p:cNvSpPr txBox="1"/>
           <p:nvPr>
             <p:ph idx="1" type="body"/>
@@ -8896,7 +9525,7 @@
       </p:sp>
       <p:sp>
         <p:nvSpPr>
-          <p:cNvPr id="81" name="Google Shape;81;p12"/>
+          <p:cNvPr id="96" name="Google Shape;96;p12"/>
           <p:cNvSpPr txBox="1"/>
           <p:nvPr>
             <p:ph idx="12" type="sldNum"/>
@@ -8904,8 +9533,8 @@
         </p:nvSpPr>
         <p:spPr>
           <a:xfrm>
-            <a:off x="7315209" y="4229101"/>
-            <a:ext cx="1828800" cy="914400"/>
+            <a:off x="7315202" y="4416550"/>
+            <a:ext cx="1828800" cy="731400"/>
           </a:xfrm>
           <a:prstGeom prst="rect">
             <a:avLst/>
@@ -8943,15 +9572,27 @@
               <a:buNone/>
             </a:pPr>
             <a:r>
-              <a:rPr b="0" lang="en" sz="1000" u="sng">
+              <a:rPr b="0" lang="en" sz="900" u="sng">
                 <a:solidFill>
                   <a:schemeClr val="hlink"/>
                 </a:solidFill>
                 <a:hlinkClick r:id="rId4"/>
               </a:rPr>
-              <a:t>https://profriehle.com</a:t>
-            </a:r>
-            <a:endParaRPr b="0" sz="1000"/>
+              <a:t>https://oss.cs.fau.de</a:t>
+            </a:r>
+            <a:r>
+              <a:rPr b="0" lang="en" sz="900">
+                <a:solidFill>
+                  <a:schemeClr val="dk2"/>
+                </a:solidFill>
+              </a:rPr>
+              <a:t> </a:t>
+            </a:r>
+            <a:endParaRPr b="0" sz="900">
+              <a:solidFill>
+                <a:schemeClr val="dk2"/>
+              </a:solidFill>
+            </a:endParaRPr>
           </a:p>
         </p:txBody>
       </p:sp>
@@ -8968,7 +9609,7 @@
   <p:cSld>
     <p:spTree>
       <p:nvGrpSpPr>
-        <p:cNvPr id="85" name="Shape 85"/>
+        <p:cNvPr id="100" name="Shape 100"/>
         <p:cNvGrpSpPr/>
         <p:nvPr/>
       </p:nvGrpSpPr>
@@ -8982,7 +9623,7 @@
       </p:grpSpPr>
       <p:sp>
         <p:nvSpPr>
-          <p:cNvPr id="86" name="Google Shape;86;p13"/>
+          <p:cNvPr id="101" name="Google Shape;101;p13"/>
           <p:cNvSpPr txBox="1"/>
           <p:nvPr>
             <p:ph type="title"/>
@@ -9022,7 +9663,7 @@
       </p:sp>
       <p:sp>
         <p:nvSpPr>
-          <p:cNvPr id="87" name="Google Shape;87;p13"/>
+          <p:cNvPr id="102" name="Google Shape;102;p13"/>
           <p:cNvSpPr txBox="1"/>
           <p:nvPr>
             <p:ph idx="1" type="body"/>
@@ -9224,7 +9865,7 @@
       </p:sp>
       <p:sp>
         <p:nvSpPr>
-          <p:cNvPr id="88" name="Google Shape;88;p13"/>
+          <p:cNvPr id="103" name="Google Shape;103;p13"/>
           <p:cNvSpPr txBox="1"/>
           <p:nvPr>
             <p:ph idx="12" type="sldNum"/>
@@ -9232,8 +9873,8 @@
         </p:nvSpPr>
         <p:spPr>
           <a:xfrm>
-            <a:off x="7315209" y="4229101"/>
-            <a:ext cx="1828800" cy="914400"/>
+            <a:off x="7315202" y="4416550"/>
+            <a:ext cx="1828800" cy="731400"/>
           </a:xfrm>
           <a:prstGeom prst="rect">
             <a:avLst/>
@@ -9271,15 +9912,27 @@
               <a:buNone/>
             </a:pPr>
             <a:r>
-              <a:rPr b="0" lang="en" sz="1000" u="sng">
+              <a:rPr b="0" lang="en" sz="900" u="sng">
                 <a:solidFill>
                   <a:schemeClr val="hlink"/>
                 </a:solidFill>
                 <a:hlinkClick r:id="rId3"/>
               </a:rPr>
-              <a:t>https://profriehle.com</a:t>
-            </a:r>
-            <a:endParaRPr b="0" sz="1000"/>
+              <a:t>https://oss.cs.fau.de</a:t>
+            </a:r>
+            <a:r>
+              <a:rPr b="0" lang="en" sz="900">
+                <a:solidFill>
+                  <a:schemeClr val="dk2"/>
+                </a:solidFill>
+              </a:rPr>
+              <a:t> </a:t>
+            </a:r>
+            <a:endParaRPr b="0" sz="900">
+              <a:solidFill>
+                <a:schemeClr val="dk2"/>
+              </a:solidFill>
+            </a:endParaRPr>
           </a:p>
         </p:txBody>
       </p:sp>
@@ -9296,7 +9949,7 @@
   <p:cSld>
     <p:spTree>
       <p:nvGrpSpPr>
-        <p:cNvPr id="92" name="Shape 92"/>
+        <p:cNvPr id="107" name="Shape 107"/>
         <p:cNvGrpSpPr/>
         <p:nvPr/>
       </p:nvGrpSpPr>
@@ -9310,7 +9963,7 @@
       </p:grpSpPr>
       <p:sp>
         <p:nvSpPr>
-          <p:cNvPr id="93" name="Google Shape;93;p14"/>
+          <p:cNvPr id="108" name="Google Shape;108;p14"/>
           <p:cNvSpPr txBox="1"/>
           <p:nvPr>
             <p:ph type="title"/>
@@ -9350,7 +10003,7 @@
       </p:sp>
       <p:sp>
         <p:nvSpPr>
-          <p:cNvPr id="94" name="Google Shape;94;p14"/>
+          <p:cNvPr id="109" name="Google Shape;109;p14"/>
           <p:cNvSpPr txBox="1"/>
           <p:nvPr>
             <p:ph idx="1" type="body"/>
@@ -9642,7 +10295,7 @@
       </p:sp>
       <p:sp>
         <p:nvSpPr>
-          <p:cNvPr id="95" name="Google Shape;95;p14"/>
+          <p:cNvPr id="110" name="Google Shape;110;p14"/>
           <p:cNvSpPr txBox="1"/>
           <p:nvPr>
             <p:ph idx="12" type="sldNum"/>
@@ -9650,8 +10303,8 @@
         </p:nvSpPr>
         <p:spPr>
           <a:xfrm>
-            <a:off x="7315209" y="4229101"/>
-            <a:ext cx="1828800" cy="914400"/>
+            <a:off x="7315202" y="4416550"/>
+            <a:ext cx="1828800" cy="731400"/>
           </a:xfrm>
           <a:prstGeom prst="rect">
             <a:avLst/>
@@ -9686,23 +10339,30 @@
               <a:spcAft>
                 <a:spcPts val="0"/>
               </a:spcAft>
-              <a:buClr>
-                <a:schemeClr val="dk1"/>
-              </a:buClr>
-              <a:buSzPts val="1100"/>
-              <a:buFont typeface="Arial"/>
-              <a:buNone/>
-            </a:pPr>
-            <a:r>
-              <a:rPr b="0" lang="en" sz="1000" u="sng">
+              <a:buNone/>
+            </a:pPr>
+            <a:r>
+              <a:rPr b="0" lang="en" sz="900" u="sng">
                 <a:solidFill>
                   <a:schemeClr val="hlink"/>
                 </a:solidFill>
                 <a:hlinkClick r:id="rId3"/>
               </a:rPr>
-              <a:t>https://profriehle.com</a:t>
-            </a:r>
-            <a:endParaRPr b="0" sz="1000"/>
+              <a:t>https://oss.cs.fau.de</a:t>
+            </a:r>
+            <a:r>
+              <a:rPr b="0" lang="en" sz="900">
+                <a:solidFill>
+                  <a:schemeClr val="dk2"/>
+                </a:solidFill>
+              </a:rPr>
+              <a:t> </a:t>
+            </a:r>
+            <a:endParaRPr b="0" sz="900">
+              <a:solidFill>
+                <a:schemeClr val="dk2"/>
+              </a:solidFill>
+            </a:endParaRPr>
           </a:p>
         </p:txBody>
       </p:sp>
@@ -9719,7 +10379,7 @@
   <p:cSld>
     <p:spTree>
       <p:nvGrpSpPr>
-        <p:cNvPr id="99" name="Shape 99"/>
+        <p:cNvPr id="114" name="Shape 114"/>
         <p:cNvGrpSpPr/>
         <p:nvPr/>
       </p:nvGrpSpPr>
@@ -9733,7 +10393,7 @@
       </p:grpSpPr>
       <p:sp>
         <p:nvSpPr>
-          <p:cNvPr id="100" name="Google Shape;100;p15"/>
+          <p:cNvPr id="115" name="Google Shape;115;p15"/>
           <p:cNvSpPr txBox="1"/>
           <p:nvPr>
             <p:ph type="title"/>
@@ -9773,7 +10433,7 @@
       </p:sp>
       <p:sp>
         <p:nvSpPr>
-          <p:cNvPr id="101" name="Google Shape;101;p15"/>
+          <p:cNvPr id="116" name="Google Shape;116;p15"/>
           <p:cNvSpPr txBox="1"/>
           <p:nvPr>
             <p:ph idx="1" type="body"/>
@@ -9988,7 +10648,7 @@
       </p:sp>
       <p:sp>
         <p:nvSpPr>
-          <p:cNvPr id="102" name="Google Shape;102;p15"/>
+          <p:cNvPr id="117" name="Google Shape;117;p15"/>
           <p:cNvSpPr txBox="1"/>
           <p:nvPr>
             <p:ph idx="12" type="sldNum"/>
@@ -9996,8 +10656,8 @@
         </p:nvSpPr>
         <p:spPr>
           <a:xfrm>
-            <a:off x="7315209" y="4229101"/>
-            <a:ext cx="1828800" cy="914400"/>
+            <a:off x="7315202" y="4416550"/>
+            <a:ext cx="1828800" cy="731400"/>
           </a:xfrm>
           <a:prstGeom prst="rect">
             <a:avLst/>
@@ -10035,15 +10695,27 @@
               <a:buNone/>
             </a:pPr>
             <a:r>
-              <a:rPr b="0" lang="en" sz="1000" u="sng">
+              <a:rPr b="0" lang="en" sz="900" u="sng">
                 <a:solidFill>
                   <a:schemeClr val="hlink"/>
                 </a:solidFill>
                 <a:hlinkClick r:id="rId3"/>
               </a:rPr>
-              <a:t>https://profriehle.com</a:t>
-            </a:r>
-            <a:endParaRPr b="0" sz="1000"/>
+              <a:t>https://oss.cs.fau.de</a:t>
+            </a:r>
+            <a:r>
+              <a:rPr b="0" lang="en" sz="900">
+                <a:solidFill>
+                  <a:schemeClr val="dk2"/>
+                </a:solidFill>
+              </a:rPr>
+              <a:t> </a:t>
+            </a:r>
+            <a:endParaRPr b="0" sz="900">
+              <a:solidFill>
+                <a:schemeClr val="dk2"/>
+              </a:solidFill>
+            </a:endParaRPr>
           </a:p>
         </p:txBody>
       </p:sp>
@@ -10060,7 +10732,7 @@
   <p:cSld>
     <p:spTree>
       <p:nvGrpSpPr>
-        <p:cNvPr id="106" name="Shape 106"/>
+        <p:cNvPr id="121" name="Shape 121"/>
         <p:cNvGrpSpPr/>
         <p:nvPr/>
       </p:nvGrpSpPr>
@@ -10074,7 +10746,7 @@
       </p:grpSpPr>
       <p:sp>
         <p:nvSpPr>
-          <p:cNvPr id="107" name="Google Shape;107;p16"/>
+          <p:cNvPr id="122" name="Google Shape;122;p16"/>
           <p:cNvSpPr txBox="1"/>
           <p:nvPr>
             <p:ph type="title"/>
@@ -10114,7 +10786,7 @@
       </p:sp>
       <p:sp>
         <p:nvSpPr>
-          <p:cNvPr id="108" name="Google Shape;108;p16"/>
+          <p:cNvPr id="123" name="Google Shape;123;p16"/>
           <p:cNvSpPr txBox="1"/>
           <p:nvPr>
             <p:ph idx="1" type="body"/>
@@ -10146,14 +10818,21 @@
             </a:pPr>
             <a:r>
               <a:rPr lang="en"/>
-              <a:t>Fill out the following form until the start of the next lecture (2024-10-21, 13:00)</a:t>
-            </a:r>
-            <a:br>
-              <a:rPr lang="en"/>
-            </a:br>
-            <a:br>
-              <a:rPr lang="en"/>
-            </a:br>
+              <a:t>Fill out the following form until the start of the next lecture</a:t>
+            </a:r>
+            <a:endParaRPr/>
+          </a:p>
+          <a:p>
+            <a:pPr indent="-342900" lvl="0" marL="457200" rtl="0" algn="l">
+              <a:spcBef>
+                <a:spcPts val="1200"/>
+              </a:spcBef>
+              <a:spcAft>
+                <a:spcPts val="0"/>
+              </a:spcAft>
+              <a:buSzPts val="1800"/>
+              <a:buChar char="●"/>
+            </a:pPr>
             <a:r>
               <a:rPr lang="en" u="sng">
                 <a:solidFill>
@@ -10184,7 +10863,7 @@
       </p:sp>
       <p:sp>
         <p:nvSpPr>
-          <p:cNvPr id="109" name="Google Shape;109;p16"/>
+          <p:cNvPr id="124" name="Google Shape;124;p16"/>
           <p:cNvSpPr txBox="1"/>
           <p:nvPr>
             <p:ph idx="12" type="sldNum"/>
@@ -10192,8 +10871,8 @@
         </p:nvSpPr>
         <p:spPr>
           <a:xfrm>
-            <a:off x="7315209" y="4229101"/>
-            <a:ext cx="1828800" cy="914400"/>
+            <a:off x="7315202" y="4416550"/>
+            <a:ext cx="1828800" cy="731400"/>
           </a:xfrm>
           <a:prstGeom prst="rect">
             <a:avLst/>
@@ -10231,15 +10910,27 @@
               <a:buNone/>
             </a:pPr>
             <a:r>
-              <a:rPr b="0" lang="en" sz="1000" u="sng">
+              <a:rPr b="0" lang="en" sz="900" u="sng">
                 <a:solidFill>
                   <a:schemeClr val="hlink"/>
                 </a:solidFill>
                 <a:hlinkClick r:id="rId4"/>
               </a:rPr>
-              <a:t>https://profriehle.com</a:t>
-            </a:r>
-            <a:endParaRPr b="0" sz="1000"/>
+              <a:t>https://oss.cs.fau.de</a:t>
+            </a:r>
+            <a:r>
+              <a:rPr b="0" lang="en" sz="900">
+                <a:solidFill>
+                  <a:schemeClr val="dk2"/>
+                </a:solidFill>
+              </a:rPr>
+              <a:t> </a:t>
+            </a:r>
+            <a:endParaRPr b="0" sz="900">
+              <a:solidFill>
+                <a:schemeClr val="dk2"/>
+              </a:solidFill>
+            </a:endParaRPr>
           </a:p>
         </p:txBody>
       </p:sp>
@@ -10252,285 +10943,6 @@
 </file>
 
 <file path=ppt/theme/theme1.xml><?xml version="1.0" encoding="utf-8"?>
-<a:theme xmlns:a="http://schemas.openxmlformats.org/drawingml/2006/main" xmlns:r="http://schemas.openxmlformats.org/officeDocument/2006/relationships" name="ADAP Slides Template">
-  <a:themeElements>
-    <a:clrScheme name="Simple Light">
-      <a:dk1>
-        <a:srgbClr val="000000"/>
-      </a:dk1>
-      <a:lt1>
-        <a:srgbClr val="FFFFFF"/>
-      </a:lt1>
-      <a:dk2>
-        <a:srgbClr val="404040"/>
-      </a:dk2>
-      <a:lt2>
-        <a:srgbClr val="808080"/>
-      </a:lt2>
-      <a:accent1>
-        <a:srgbClr val="D0D0D0"/>
-      </a:accent1>
-      <a:accent2>
-        <a:srgbClr val="4169E1"/>
-      </a:accent2>
-      <a:accent3>
-        <a:srgbClr val="D50D01"/>
-      </a:accent3>
-      <a:accent4>
-        <a:srgbClr val="FEB612"/>
-      </a:accent4>
-      <a:accent5>
-        <a:srgbClr val="4CAF50"/>
-      </a:accent5>
-      <a:accent6>
-        <a:srgbClr val="8E44AD"/>
-      </a:accent6>
-      <a:hlink>
-        <a:srgbClr val="34A3C5"/>
-      </a:hlink>
-      <a:folHlink>
-        <a:srgbClr val="0097A7"/>
-      </a:folHlink>
-    </a:clrScheme>
-    <a:fontScheme name="Office">
-      <a:majorFont>
-        <a:latin typeface="Arial"/>
-        <a:ea typeface=""/>
-        <a:cs typeface=""/>
-        <a:font script="Jpan" typeface="ＭＳ Ｐゴシック"/>
-        <a:font script="Hang" typeface="맑은 고딕"/>
-        <a:font script="Hans" typeface="宋体"/>
-        <a:font script="Hant" typeface="新細明體"/>
-        <a:font script="Arab" typeface="Times New Roman"/>
-        <a:font script="Hebr" typeface="Times New Roman"/>
-        <a:font script="Thai" typeface="Angsana New"/>
-        <a:font script="Ethi" typeface="Nyala"/>
-        <a:font script="Beng" typeface="Vrinda"/>
-        <a:font script="Gujr" typeface="Shruti"/>
-        <a:font script="Khmr" typeface="MoolBoran"/>
-        <a:font script="Knda" typeface="Tunga"/>
-        <a:font script="Guru" typeface="Raavi"/>
-        <a:font script="Cans" typeface="Euphemia"/>
-        <a:font script="Cher" typeface="Plantagenet Cherokee"/>
-        <a:font script="Yiii" typeface="Microsoft Yi Baiti"/>
-        <a:font script="Tibt" typeface="Microsoft Himalaya"/>
-        <a:font script="Thaa" typeface="MV Boli"/>
-        <a:font script="Deva" typeface="Mangal"/>
-        <a:font script="Telu" typeface="Gautami"/>
-        <a:font script="Taml" typeface="Latha"/>
-        <a:font script="Syrc" typeface="Estrangelo Edessa"/>
-        <a:font script="Orya" typeface="Kalinga"/>
-        <a:font script="Mlym" typeface="Kartika"/>
-        <a:font script="Laoo" typeface="DokChampa"/>
-        <a:font script="Sinh" typeface="Iskoola Pota"/>
-        <a:font script="Mong" typeface="Mongolian Baiti"/>
-        <a:font script="Viet" typeface="Times New Roman"/>
-        <a:font script="Uigh" typeface="Microsoft Uighur"/>
-        <a:font script="Geor" typeface="Sylfaen"/>
-      </a:majorFont>
-      <a:minorFont>
-        <a:latin typeface="Arial"/>
-        <a:ea typeface=""/>
-        <a:cs typeface=""/>
-        <a:font script="Jpan" typeface="ＭＳ Ｐゴシック"/>
-        <a:font script="Hang" typeface="맑은 고딕"/>
-        <a:font script="Hans" typeface="宋体"/>
-        <a:font script="Hant" typeface="新細明體"/>
-        <a:font script="Arab" typeface="Arial"/>
-        <a:font script="Hebr" typeface="Arial"/>
-        <a:font script="Thai" typeface="Cordia New"/>
-        <a:font script="Ethi" typeface="Nyala"/>
-        <a:font script="Beng" typeface="Vrinda"/>
-        <a:font script="Gujr" typeface="Shruti"/>
-        <a:font script="Khmr" typeface="DaunPenh"/>
-        <a:font script="Knda" typeface="Tunga"/>
-        <a:font script="Guru" typeface="Raavi"/>
-        <a:font script="Cans" typeface="Euphemia"/>
-        <a:font script="Cher" typeface="Plantagenet Cherokee"/>
-        <a:font script="Yiii" typeface="Microsoft Yi Baiti"/>
-        <a:font script="Tibt" typeface="Microsoft Himalaya"/>
-        <a:font script="Thaa" typeface="MV Boli"/>
-        <a:font script="Deva" typeface="Mangal"/>
-        <a:font script="Telu" typeface="Gautami"/>
-        <a:font script="Taml" typeface="Latha"/>
-        <a:font script="Syrc" typeface="Estrangelo Edessa"/>
-        <a:font script="Orya" typeface="Kalinga"/>
-        <a:font script="Mlym" typeface="Kartika"/>
-        <a:font script="Laoo" typeface="DokChampa"/>
-        <a:font script="Sinh" typeface="Iskoola Pota"/>
-        <a:font script="Mong" typeface="Mongolian Baiti"/>
-        <a:font script="Viet" typeface="Arial"/>
-        <a:font script="Uigh" typeface="Microsoft Uighur"/>
-        <a:font script="Geor" typeface="Sylfaen"/>
-      </a:minorFont>
-    </a:fontScheme>
-    <a:fmtScheme name="Office">
-      <a:fillStyleLst>
-        <a:solidFill>
-          <a:schemeClr val="phClr"/>
-        </a:solidFill>
-        <a:gradFill rotWithShape="1">
-          <a:gsLst>
-            <a:gs pos="0">
-              <a:schemeClr val="phClr">
-                <a:tint val="50000"/>
-                <a:satMod val="300000"/>
-              </a:schemeClr>
-            </a:gs>
-            <a:gs pos="35000">
-              <a:schemeClr val="phClr">
-                <a:tint val="37000"/>
-                <a:satMod val="300000"/>
-              </a:schemeClr>
-            </a:gs>
-            <a:gs pos="100000">
-              <a:schemeClr val="phClr">
-                <a:tint val="15000"/>
-                <a:satMod val="350000"/>
-              </a:schemeClr>
-            </a:gs>
-          </a:gsLst>
-          <a:lin ang="16200000" scaled="1"/>
-        </a:gradFill>
-        <a:gradFill rotWithShape="1">
-          <a:gsLst>
-            <a:gs pos="0">
-              <a:schemeClr val="phClr">
-                <a:tint val="100000"/>
-                <a:shade val="100000"/>
-                <a:satMod val="130000"/>
-              </a:schemeClr>
-            </a:gs>
-            <a:gs pos="100000">
-              <a:schemeClr val="phClr">
-                <a:tint val="50000"/>
-                <a:shade val="100000"/>
-                <a:satMod val="350000"/>
-              </a:schemeClr>
-            </a:gs>
-          </a:gsLst>
-          <a:lin ang="16200000" scaled="0"/>
-        </a:gradFill>
-      </a:fillStyleLst>
-      <a:lnStyleLst>
-        <a:ln w="9525" cap="flat" cmpd="sng" algn="ctr">
-          <a:solidFill>
-            <a:schemeClr val="phClr">
-              <a:shade val="95000"/>
-              <a:satMod val="105000"/>
-            </a:schemeClr>
-          </a:solidFill>
-          <a:prstDash val="solid"/>
-        </a:ln>
-        <a:ln w="25400" cap="flat" cmpd="sng" algn="ctr">
-          <a:solidFill>
-            <a:schemeClr val="phClr"/>
-          </a:solidFill>
-          <a:prstDash val="solid"/>
-        </a:ln>
-        <a:ln w="38100" cap="flat" cmpd="sng" algn="ctr">
-          <a:solidFill>
-            <a:schemeClr val="phClr"/>
-          </a:solidFill>
-          <a:prstDash val="solid"/>
-        </a:ln>
-      </a:lnStyleLst>
-      <a:effectStyleLst>
-        <a:effectStyle>
-          <a:effectLst>
-            <a:outerShdw blurRad="40000" dist="20000" dir="5400000" rotWithShape="0">
-              <a:srgbClr val="000000">
-                <a:alpha val="38000"/>
-              </a:srgbClr>
-            </a:outerShdw>
-          </a:effectLst>
-        </a:effectStyle>
-        <a:effectStyle>
-          <a:effectLst>
-            <a:outerShdw blurRad="40000" dist="23000" dir="5400000" rotWithShape="0">
-              <a:srgbClr val="000000">
-                <a:alpha val="35000"/>
-              </a:srgbClr>
-            </a:outerShdw>
-          </a:effectLst>
-        </a:effectStyle>
-        <a:effectStyle>
-          <a:effectLst>
-            <a:outerShdw blurRad="40000" dist="23000" dir="5400000" rotWithShape="0">
-              <a:srgbClr val="000000">
-                <a:alpha val="35000"/>
-              </a:srgbClr>
-            </a:outerShdw>
-          </a:effectLst>
-          <a:scene3d>
-            <a:camera prst="orthographicFront">
-              <a:rot lat="0" lon="0" rev="0"/>
-            </a:camera>
-            <a:lightRig rig="threePt" dir="t">
-              <a:rot lat="0" lon="0" rev="1200000"/>
-            </a:lightRig>
-          </a:scene3d>
-          <a:sp3d>
-            <a:bevelT w="63500" h="25400"/>
-          </a:sp3d>
-        </a:effectStyle>
-      </a:effectStyleLst>
-      <a:bgFillStyleLst>
-        <a:solidFill>
-          <a:schemeClr val="phClr"/>
-        </a:solidFill>
-        <a:gradFill rotWithShape="1">
-          <a:gsLst>
-            <a:gs pos="0">
-              <a:schemeClr val="phClr">
-                <a:tint val="40000"/>
-                <a:satMod val="350000"/>
-              </a:schemeClr>
-            </a:gs>
-            <a:gs pos="40000">
-              <a:schemeClr val="phClr">
-                <a:tint val="45000"/>
-                <a:shade val="99000"/>
-                <a:satMod val="350000"/>
-              </a:schemeClr>
-            </a:gs>
-            <a:gs pos="100000">
-              <a:schemeClr val="phClr">
-                <a:shade val="20000"/>
-                <a:satMod val="255000"/>
-              </a:schemeClr>
-            </a:gs>
-          </a:gsLst>
-          <a:path path="circle">
-            <a:fillToRect l="50000" t="-80000" r="50000" b="180000"/>
-          </a:path>
-        </a:gradFill>
-        <a:gradFill rotWithShape="1">
-          <a:gsLst>
-            <a:gs pos="0">
-              <a:schemeClr val="phClr">
-                <a:tint val="80000"/>
-                <a:satMod val="300000"/>
-              </a:schemeClr>
-            </a:gs>
-            <a:gs pos="100000">
-              <a:schemeClr val="phClr">
-                <a:shade val="30000"/>
-                <a:satMod val="200000"/>
-              </a:schemeClr>
-            </a:gs>
-          </a:gsLst>
-          <a:path path="circle">
-            <a:fillToRect l="50000" t="50000" r="50000" b="50000"/>
-          </a:path>
-        </a:gradFill>
-      </a:bgFillStyleLst>
-    </a:fmtScheme>
-  </a:themeElements>
-</a:theme>
-</file>
-
-<file path=ppt/theme/theme2.xml><?xml version="1.0" encoding="utf-8"?>
 <a:theme xmlns:a="http://schemas.openxmlformats.org/drawingml/2006/main" xmlns:r="http://schemas.openxmlformats.org/officeDocument/2006/relationships">
   <a:themeElements>
     <a:clrScheme name="Default">
@@ -10807,4 +11219,283 @@
     </a:fmtScheme>
   </a:themeElements>
 </a:theme>
+</file>
+
+<file path=ppt/theme/theme2.xml><?xml version="1.0" encoding="utf-8"?>
+<a:theme xmlns:a="http://schemas.openxmlformats.org/drawingml/2006/main" xmlns:r="http://schemas.openxmlformats.org/officeDocument/2006/relationships" name="POSS Slides Template">
+  <a:themeElements>
+    <a:clrScheme name="Simple Light">
+      <a:dk1>
+        <a:srgbClr val="000000"/>
+      </a:dk1>
+      <a:lt1>
+        <a:srgbClr val="FFFFFF"/>
+      </a:lt1>
+      <a:dk2>
+        <a:srgbClr val="404040"/>
+      </a:dk2>
+      <a:lt2>
+        <a:srgbClr val="808080"/>
+      </a:lt2>
+      <a:accent1>
+        <a:srgbClr val="D0D0D0"/>
+      </a:accent1>
+      <a:accent2>
+        <a:srgbClr val="4169E1"/>
+      </a:accent2>
+      <a:accent3>
+        <a:srgbClr val="4CAF50"/>
+      </a:accent3>
+      <a:accent4>
+        <a:srgbClr val="FEB612"/>
+      </a:accent4>
+      <a:accent5>
+        <a:srgbClr val="F36838"/>
+      </a:accent5>
+      <a:accent6>
+        <a:srgbClr val="8E44AD"/>
+      </a:accent6>
+      <a:hlink>
+        <a:srgbClr val="1E90FF"/>
+      </a:hlink>
+      <a:folHlink>
+        <a:srgbClr val="0097A7"/>
+      </a:folHlink>
+    </a:clrScheme>
+    <a:fontScheme name="Office">
+      <a:majorFont>
+        <a:latin typeface="Arial"/>
+        <a:ea typeface=""/>
+        <a:cs typeface=""/>
+        <a:font script="Jpan" typeface="ＭＳ Ｐゴシック"/>
+        <a:font script="Hang" typeface="맑은 고딕"/>
+        <a:font script="Hans" typeface="宋体"/>
+        <a:font script="Hant" typeface="新細明體"/>
+        <a:font script="Arab" typeface="Times New Roman"/>
+        <a:font script="Hebr" typeface="Times New Roman"/>
+        <a:font script="Thai" typeface="Angsana New"/>
+        <a:font script="Ethi" typeface="Nyala"/>
+        <a:font script="Beng" typeface="Vrinda"/>
+        <a:font script="Gujr" typeface="Shruti"/>
+        <a:font script="Khmr" typeface="MoolBoran"/>
+        <a:font script="Knda" typeface="Tunga"/>
+        <a:font script="Guru" typeface="Raavi"/>
+        <a:font script="Cans" typeface="Euphemia"/>
+        <a:font script="Cher" typeface="Plantagenet Cherokee"/>
+        <a:font script="Yiii" typeface="Microsoft Yi Baiti"/>
+        <a:font script="Tibt" typeface="Microsoft Himalaya"/>
+        <a:font script="Thaa" typeface="MV Boli"/>
+        <a:font script="Deva" typeface="Mangal"/>
+        <a:font script="Telu" typeface="Gautami"/>
+        <a:font script="Taml" typeface="Latha"/>
+        <a:font script="Syrc" typeface="Estrangelo Edessa"/>
+        <a:font script="Orya" typeface="Kalinga"/>
+        <a:font script="Mlym" typeface="Kartika"/>
+        <a:font script="Laoo" typeface="DokChampa"/>
+        <a:font script="Sinh" typeface="Iskoola Pota"/>
+        <a:font script="Mong" typeface="Mongolian Baiti"/>
+        <a:font script="Viet" typeface="Times New Roman"/>
+        <a:font script="Uigh" typeface="Microsoft Uighur"/>
+        <a:font script="Geor" typeface="Sylfaen"/>
+      </a:majorFont>
+      <a:minorFont>
+        <a:latin typeface="Arial"/>
+        <a:ea typeface=""/>
+        <a:cs typeface=""/>
+        <a:font script="Jpan" typeface="ＭＳ Ｐゴシック"/>
+        <a:font script="Hang" typeface="맑은 고딕"/>
+        <a:font script="Hans" typeface="宋体"/>
+        <a:font script="Hant" typeface="新細明體"/>
+        <a:font script="Arab" typeface="Arial"/>
+        <a:font script="Hebr" typeface="Arial"/>
+        <a:font script="Thai" typeface="Cordia New"/>
+        <a:font script="Ethi" typeface="Nyala"/>
+        <a:font script="Beng" typeface="Vrinda"/>
+        <a:font script="Gujr" typeface="Shruti"/>
+        <a:font script="Khmr" typeface="DaunPenh"/>
+        <a:font script="Knda" typeface="Tunga"/>
+        <a:font script="Guru" typeface="Raavi"/>
+        <a:font script="Cans" typeface="Euphemia"/>
+        <a:font script="Cher" typeface="Plantagenet Cherokee"/>
+        <a:font script="Yiii" typeface="Microsoft Yi Baiti"/>
+        <a:font script="Tibt" typeface="Microsoft Himalaya"/>
+        <a:font script="Thaa" typeface="MV Boli"/>
+        <a:font script="Deva" typeface="Mangal"/>
+        <a:font script="Telu" typeface="Gautami"/>
+        <a:font script="Taml" typeface="Latha"/>
+        <a:font script="Syrc" typeface="Estrangelo Edessa"/>
+        <a:font script="Orya" typeface="Kalinga"/>
+        <a:font script="Mlym" typeface="Kartika"/>
+        <a:font script="Laoo" typeface="DokChampa"/>
+        <a:font script="Sinh" typeface="Iskoola Pota"/>
+        <a:font script="Mong" typeface="Mongolian Baiti"/>
+        <a:font script="Viet" typeface="Arial"/>
+        <a:font script="Uigh" typeface="Microsoft Uighur"/>
+        <a:font script="Geor" typeface="Sylfaen"/>
+      </a:minorFont>
+    </a:fontScheme>
+    <a:fmtScheme name="Office">
+      <a:fillStyleLst>
+        <a:solidFill>
+          <a:schemeClr val="phClr"/>
+        </a:solidFill>
+        <a:gradFill rotWithShape="1">
+          <a:gsLst>
+            <a:gs pos="0">
+              <a:schemeClr val="phClr">
+                <a:tint val="50000"/>
+                <a:satMod val="300000"/>
+              </a:schemeClr>
+            </a:gs>
+            <a:gs pos="35000">
+              <a:schemeClr val="phClr">
+                <a:tint val="37000"/>
+                <a:satMod val="300000"/>
+              </a:schemeClr>
+            </a:gs>
+            <a:gs pos="100000">
+              <a:schemeClr val="phClr">
+                <a:tint val="15000"/>
+                <a:satMod val="350000"/>
+              </a:schemeClr>
+            </a:gs>
+          </a:gsLst>
+          <a:lin ang="16200000" scaled="1"/>
+        </a:gradFill>
+        <a:gradFill rotWithShape="1">
+          <a:gsLst>
+            <a:gs pos="0">
+              <a:schemeClr val="phClr">
+                <a:tint val="100000"/>
+                <a:shade val="100000"/>
+                <a:satMod val="130000"/>
+              </a:schemeClr>
+            </a:gs>
+            <a:gs pos="100000">
+              <a:schemeClr val="phClr">
+                <a:tint val="50000"/>
+                <a:shade val="100000"/>
+                <a:satMod val="350000"/>
+              </a:schemeClr>
+            </a:gs>
+          </a:gsLst>
+          <a:lin ang="16200000" scaled="0"/>
+        </a:gradFill>
+      </a:fillStyleLst>
+      <a:lnStyleLst>
+        <a:ln w="9525" cap="flat" cmpd="sng" algn="ctr">
+          <a:solidFill>
+            <a:schemeClr val="phClr">
+              <a:shade val="95000"/>
+              <a:satMod val="105000"/>
+            </a:schemeClr>
+          </a:solidFill>
+          <a:prstDash val="solid"/>
+        </a:ln>
+        <a:ln w="25400" cap="flat" cmpd="sng" algn="ctr">
+          <a:solidFill>
+            <a:schemeClr val="phClr"/>
+          </a:solidFill>
+          <a:prstDash val="solid"/>
+        </a:ln>
+        <a:ln w="38100" cap="flat" cmpd="sng" algn="ctr">
+          <a:solidFill>
+            <a:schemeClr val="phClr"/>
+          </a:solidFill>
+          <a:prstDash val="solid"/>
+        </a:ln>
+      </a:lnStyleLst>
+      <a:effectStyleLst>
+        <a:effectStyle>
+          <a:effectLst>
+            <a:outerShdw blurRad="40000" dist="20000" dir="5400000" rotWithShape="0">
+              <a:srgbClr val="000000">
+                <a:alpha val="38000"/>
+              </a:srgbClr>
+            </a:outerShdw>
+          </a:effectLst>
+        </a:effectStyle>
+        <a:effectStyle>
+          <a:effectLst>
+            <a:outerShdw blurRad="40000" dist="23000" dir="5400000" rotWithShape="0">
+              <a:srgbClr val="000000">
+                <a:alpha val="35000"/>
+              </a:srgbClr>
+            </a:outerShdw>
+          </a:effectLst>
+        </a:effectStyle>
+        <a:effectStyle>
+          <a:effectLst>
+            <a:outerShdw blurRad="40000" dist="23000" dir="5400000" rotWithShape="0">
+              <a:srgbClr val="000000">
+                <a:alpha val="35000"/>
+              </a:srgbClr>
+            </a:outerShdw>
+          </a:effectLst>
+          <a:scene3d>
+            <a:camera prst="orthographicFront">
+              <a:rot lat="0" lon="0" rev="0"/>
+            </a:camera>
+            <a:lightRig rig="threePt" dir="t">
+              <a:rot lat="0" lon="0" rev="1200000"/>
+            </a:lightRig>
+          </a:scene3d>
+          <a:sp3d>
+            <a:bevelT w="63500" h="25400"/>
+          </a:sp3d>
+        </a:effectStyle>
+      </a:effectStyleLst>
+      <a:bgFillStyleLst>
+        <a:solidFill>
+          <a:schemeClr val="phClr"/>
+        </a:solidFill>
+        <a:gradFill rotWithShape="1">
+          <a:gsLst>
+            <a:gs pos="0">
+              <a:schemeClr val="phClr">
+                <a:tint val="40000"/>
+                <a:satMod val="350000"/>
+              </a:schemeClr>
+            </a:gs>
+            <a:gs pos="40000">
+              <a:schemeClr val="phClr">
+                <a:tint val="45000"/>
+                <a:shade val="99000"/>
+                <a:satMod val="350000"/>
+              </a:schemeClr>
+            </a:gs>
+            <a:gs pos="100000">
+              <a:schemeClr val="phClr">
+                <a:shade val="20000"/>
+                <a:satMod val="255000"/>
+              </a:schemeClr>
+            </a:gs>
+          </a:gsLst>
+          <a:path path="circle">
+            <a:fillToRect l="50000" t="-80000" r="50000" b="180000"/>
+          </a:path>
+        </a:gradFill>
+        <a:gradFill rotWithShape="1">
+          <a:gsLst>
+            <a:gs pos="0">
+              <a:schemeClr val="phClr">
+                <a:tint val="80000"/>
+                <a:satMod val="300000"/>
+              </a:schemeClr>
+            </a:gs>
+            <a:gs pos="100000">
+              <a:schemeClr val="phClr">
+                <a:shade val="30000"/>
+                <a:satMod val="200000"/>
+              </a:schemeClr>
+            </a:gs>
+          </a:gsLst>
+          <a:path path="circle">
+            <a:fillToRect l="50000" t="50000" r="50000" b="50000"/>
+          </a:path>
+        </a:gradFill>
+      </a:bgFillStyleLst>
+    </a:fmtScheme>
+  </a:themeElements>
+</a:theme>
 </file>